--- a/1023041111-汪明瑞/作业二.pptx
+++ b/1023041111-汪明瑞/作业二.pptx
@@ -3,29 +3,29 @@
 <p:presentation xmlns:a="http://schemas.openxmlformats.org/drawingml/2006/main" xmlns:r="http://schemas.openxmlformats.org/officeDocument/2006/relationships" xmlns:p="http://schemas.openxmlformats.org/presentationml/2006/main">
   <p:sldMasterIdLst>
     <p:sldMasterId id="2147483648" r:id="rId1"/>
-    <p:sldMasterId id="2147483660" r:id="rId3"/>
-    <p:sldMasterId id="2147483697" r:id="rId4"/>
+    <p:sldMasterId id="2147483660" r:id="rId2"/>
+    <p:sldMasterId id="2147483697" r:id="rId3"/>
   </p:sldMasterIdLst>
   <p:notesMasterIdLst>
-    <p:notesMasterId r:id="rId6"/>
+    <p:notesMasterId r:id="rId15"/>
   </p:notesMasterIdLst>
   <p:sldIdLst>
-    <p:sldId id="256" r:id="rId5"/>
-    <p:sldId id="258" r:id="rId7"/>
-    <p:sldId id="284" r:id="rId8"/>
-    <p:sldId id="259" r:id="rId9"/>
-    <p:sldId id="285" r:id="rId10"/>
-    <p:sldId id="286" r:id="rId11"/>
-    <p:sldId id="260" r:id="rId12"/>
-    <p:sldId id="287" r:id="rId13"/>
-    <p:sldId id="288" r:id="rId14"/>
-    <p:sldId id="289" r:id="rId15"/>
-    <p:sldId id="281" r:id="rId16"/>
+    <p:sldId id="256" r:id="rId4"/>
+    <p:sldId id="258" r:id="rId5"/>
+    <p:sldId id="284" r:id="rId6"/>
+    <p:sldId id="259" r:id="rId7"/>
+    <p:sldId id="285" r:id="rId8"/>
+    <p:sldId id="286" r:id="rId9"/>
+    <p:sldId id="260" r:id="rId10"/>
+    <p:sldId id="287" r:id="rId11"/>
+    <p:sldId id="288" r:id="rId12"/>
+    <p:sldId id="289" r:id="rId13"/>
+    <p:sldId id="281" r:id="rId14"/>
   </p:sldIdLst>
-  <p:sldSz cx="12190095" cy="6859270"/>
+  <p:sldSz cx="12190413" cy="6859588"/>
   <p:notesSz cx="6858000" cy="9144000"/>
   <p:custDataLst>
-    <p:tags r:id="rId20"/>
+    <p:tags r:id="rId16"/>
   </p:custDataLst>
   <p:defaultTextStyle>
     <a:defPPr>
@@ -147,8 +147,8 @@
     <inkml:context xml:id="ctx0">
       <inkml:inkSource xml:id="inkSrc0">
         <inkml:traceFormat>
-          <inkml:channel name="X" type="integer" max="2147480000" min="-2147480000" units="cm"/>
-          <inkml:channel name="Y" type="integer" max="2147480000" min="-2147480000" units="cm"/>
+          <inkml:channel name="X" type="integer" min="-2.14748E9" max="2.14748E9" units="cm"/>
+          <inkml:channel name="Y" type="integer" min="-2.14748E9" max="2.14748E9" units="cm"/>
           <inkml:channel name="F" type="integer" max="32767" units="dev"/>
         </inkml:traceFormat>
         <inkml:channelProperties>
@@ -162,7 +162,7 @@
     <inkml:brush xml:id="br0">
       <inkml:brushProperty name="width" value="0.05" units="cm"/>
       <inkml:brushProperty name="height" value="0.05" units="cm"/>
-      <inkml:brushProperty name="color" value="#e71224"/>
+      <inkml:brushProperty name="color" value="#E71224"/>
     </inkml:brush>
   </inkml:definitions>
   <inkml:trace contextRef="#ctx0" brushRef="#br0">1 68 24575,'60'0'0,"-2"0"0,-10 0 0,-6 0 0,-8 0 0,13-5 0,-10 2 0,27-6-1824,-12 2 1824,-4 0 0,-4-2 0,-14 2 214,5 2-214,-1 2 0,-6 0 0,-3 0 0,-3 0 0,5 0 1367,0 3-1367,3 0 243,-6 0-243,-4 0 0,-3 0 0,-3 0 0,-2 0 0,-2 0 0,-1 0 0,-1 0 0,-2 0 0,-2 0 0,3 0 0,1 0 0,0 0 0,0 0 0,-3 0 0,0 0 0,0 0 0,-1 0 0,1 0 0,0 0 0,0 0 0,-1 0 0,1 0 0,0 0 0,0 0 0,1 0 0,1 0 0,0 0 0,-2 1 0,-3 2 0,1-1 0,-1 0 0,2-1 0,1-1 0,0 0 0,-1 0 0,-1 2 0,-1 0 0,0 1 0,1-1 0,1-2 0,0 0 0,-1 2 0,-1 1 0,-2 1 0,0 0 0,0 0 0,0 0 0,0-2 0,0 0 0</inkml:trace>
@@ -175,8 +175,8 @@
     <inkml:context xml:id="ctx0">
       <inkml:inkSource xml:id="inkSrc0">
         <inkml:traceFormat>
-          <inkml:channel name="X" type="integer" max="2147480000" min="-2147480000" units="cm"/>
-          <inkml:channel name="Y" type="integer" max="2147480000" min="-2147480000" units="cm"/>
+          <inkml:channel name="X" type="integer" min="-2.14748E9" max="2.14748E9" units="cm"/>
+          <inkml:channel name="Y" type="integer" min="-2.14748E9" max="2.14748E9" units="cm"/>
           <inkml:channel name="F" type="integer" max="32767" units="dev"/>
         </inkml:traceFormat>
         <inkml:channelProperties>
@@ -190,7 +190,7 @@
     <inkml:brush xml:id="br0">
       <inkml:brushProperty name="width" value="0.05" units="cm"/>
       <inkml:brushProperty name="height" value="0.05" units="cm"/>
-      <inkml:brushProperty name="color" value="#e71224"/>
+      <inkml:brushProperty name="color" value="#E71224"/>
     </inkml:brush>
   </inkml:definitions>
   <inkml:trace contextRef="#ctx0" brushRef="#br0">1 0 24575,'45'0'0,"-4"0"0,-3 0 0,11 0 0,-21 0 0,14 0 0,-12 0 0,-1 0 0,2 0 0,-2 0 0,-1 0 0,-3 0 0,1 0 0,-1 0 0,-2 0 0,-2 0 0,-5 0 0,-2 0 0,-2 0 0,0 0 0,0 0 0,1 0 0,-3 0 0,-1 0 0,0 0 0,-2 0 0,-1 0 0,-1 0 0,0 0 0,0 0 0,0 0 0,-1 0 0,-1 2 0,0 1 0,0-1 0,2 0 0,0-2 0,0 0 0,1 2 0,-1 0 0,0 0 0,-1 0 0,1-1 0,-1-1 0,1 0 0,0 0 0,0 0 0,0 0 0,1 0 0,0 0 0,1 0 0,-2 0 0,-1 0 0,1 2 0,2 0 0,3 1 0,2-1 0,-2-2 0,-1 0 0,-5 0 0,2 0 0,-2 0 0,-1 2 0,-1 0 0,1 0 0,-3 0 0,2-2 0</inkml:trace>
@@ -203,8 +203,8 @@
     <inkml:context xml:id="ctx0">
       <inkml:inkSource xml:id="inkSrc0">
         <inkml:traceFormat>
-          <inkml:channel name="X" type="integer" max="2147480000" min="-2147480000" units="cm"/>
-          <inkml:channel name="Y" type="integer" max="2147480000" min="-2147480000" units="cm"/>
+          <inkml:channel name="X" type="integer" min="-2.14748E9" max="2.14748E9" units="cm"/>
+          <inkml:channel name="Y" type="integer" min="-2.14748E9" max="2.14748E9" units="cm"/>
           <inkml:channel name="F" type="integer" max="32767" units="dev"/>
         </inkml:traceFormat>
         <inkml:channelProperties>
@@ -218,7 +218,7 @@
     <inkml:brush xml:id="br0">
       <inkml:brushProperty name="width" value="0.05" units="cm"/>
       <inkml:brushProperty name="height" value="0.05" units="cm"/>
-      <inkml:brushProperty name="color" value="#e71224"/>
+      <inkml:brushProperty name="color" value="#E71224"/>
     </inkml:brush>
   </inkml:definitions>
   <inkml:trace contextRef="#ctx0" brushRef="#br0">1 26 24575,'33'0'0,"5"0"0,5 0 0,-5 0 0,-3 0 0,-6 0 0,9 0 0,24-6 0,-19 4 0,13-3 0,-32 4 0,-3 1 0,0 0 0,1 0 0,0 0 0,-1 0 0,-3 0 0,2-1 0,-4-2 0,2 0 0,-2 0 0,0 2 0,0 1 0,-3 0 0,-4 0 0,-2 0 0,1 0 0,0 0 0,0 0 0,-1 0 0,-1 0 0,-1 0 0,0 0 0,-1 0 0,1 0 0,1 0 0,-1 0 0,2 0 0,-1 0 0,0 0 0,0 0 0,1 0 0,-2 0 0,1 0 0,-1 0 0,0 0 0,1 0 0,0 0 0,1 0 0,-3 0 0,1 0 0,2 0 0,-2 0 0,-1 0 0,-2 0 0</inkml:trace>
@@ -231,8 +231,8 @@
     <inkml:context xml:id="ctx0">
       <inkml:inkSource xml:id="inkSrc0">
         <inkml:traceFormat>
-          <inkml:channel name="X" type="integer" max="2147480000" min="-2147480000" units="cm"/>
-          <inkml:channel name="Y" type="integer" max="2147480000" min="-2147480000" units="cm"/>
+          <inkml:channel name="X" type="integer" min="-2.14748E9" max="2.14748E9" units="cm"/>
+          <inkml:channel name="Y" type="integer" min="-2.14748E9" max="2.14748E9" units="cm"/>
           <inkml:channel name="F" type="integer" max="32767" units="dev"/>
         </inkml:traceFormat>
         <inkml:channelProperties>
@@ -246,7 +246,7 @@
     <inkml:brush xml:id="br0">
       <inkml:brushProperty name="width" value="0.05" units="cm"/>
       <inkml:brushProperty name="height" value="0.05" units="cm"/>
-      <inkml:brushProperty name="color" value="#e71224"/>
+      <inkml:brushProperty name="color" value="#E71224"/>
     </inkml:brush>
   </inkml:definitions>
   <inkml:trace contextRef="#ctx0" brushRef="#br0">1 46 24575,'20'-3'0,"-3"-3"0,12-1 0,-10 0 0,6 2 0,-4-3 0,-6 4 0,6-1 0,-7 5 0,2 0 0,-3 0 0,-3 0 0,3 0 0,-1 0 0,-2 0 0,-1 0 0,-5 0 0,3 0 0,1 0 0,0 0 0,3 0 0,-2 0 0,4 0 0,2 0 0,-2 0 0,1 0 0,-3 0 0,-2 0 0,0 0 0,0 0 0,1 0 0,0 0 0,2 0 0,0 0 0,-2 0 0,-1 0 0,-4 0 0,0 0 0,0 0 0,2 0 0,0 0 0,2 0 0,-1 0 0,0 0 0,4 0 0,-5 0 0,6 0 0,-7 0 0,3 0 0,1 0 0,2 0 0,-1 0 0,-4 0 0,-1 0 0,-1 0 0,0 0 0,0 0 0,-1 0 0,1 0 0,0 0 0,0 0 0,0 0 0,-1 0 0,1 0 0,0 0 0,0 0 0,1 0 0,-1 0 0,2 0 0,0 0 0,2 0 0,-1 0 0,-1 0 0,-1 0 0,-1 0 0,0 0 0,0 0 0,0 0 0,-1 0 0,1 1 0,0 2 0,0-1 0,-1 0 0,1-1 0,0-1 0,0 0 0,0 0 0,0 0 0,-1 0 0,1 0 0,1 0 0,-1 0 0,2 0 0,-1 0 0,2 0 0,-2 0 0,2 0 0,-4 0 0,1 0 0,0 0 0,-3 0 0,0 0 0</inkml:trace>
@@ -259,8 +259,8 @@
     <inkml:context xml:id="ctx0">
       <inkml:inkSource xml:id="inkSrc0">
         <inkml:traceFormat>
-          <inkml:channel name="X" type="integer" max="2147480000" min="-2147480000" units="cm"/>
-          <inkml:channel name="Y" type="integer" max="2147480000" min="-2147480000" units="cm"/>
+          <inkml:channel name="X" type="integer" min="-2.14748E9" max="2.14748E9" units="cm"/>
+          <inkml:channel name="Y" type="integer" min="-2.14748E9" max="2.14748E9" units="cm"/>
           <inkml:channel name="F" type="integer" max="32767" units="dev"/>
         </inkml:traceFormat>
         <inkml:channelProperties>
@@ -274,7 +274,7 @@
     <inkml:brush xml:id="br0">
       <inkml:brushProperty name="width" value="0.05" units="cm"/>
       <inkml:brushProperty name="height" value="0.05" units="cm"/>
-      <inkml:brushProperty name="color" value="#e71224"/>
+      <inkml:brushProperty name="color" value="#E71224"/>
     </inkml:brush>
   </inkml:definitions>
   <inkml:trace contextRef="#ctx0" brushRef="#br0">1 11 24575,'18'0'0,"-4"0"0,3 0 0,-3 0 0,0 0 0,0 0 0,-1 0 0,6 0 0,-7 0 0,6 0 0,-9 0 0,1 0 0,0 0 0,-1 0 0,1 0 0,5 0 0,-6 0 0,4 0 0,-7 0 0,-2 0 0,1 0 0,0 0 0,0 0 0,0 0 0,-1 0 0,1 0 0,0 0 0,0 0 0,-1 0 0,2 0 0,-1 0 0,2 0 0,0 0 0,2 0 0,0 0 0,1-3 0,-1 1 0,0-1 0,-2 1 0,0 2 0,-3 0 0,1 0 0,0 0 0,2 0 0,1 0 0,0 0 0,-1 0 0,-1 0 0,0 0 0,-1 0 0,4 0 0,2 0 0,0 0 0,0 0 0,-3 0 0,4 0 0,-5 0 0,4 0 0,-5 0 0,-1 0 0,2 0 0,1 0 0,2 0 0,0 0 0,-1 0 0,-1 0 0,-1 0 0,1 0 0,3 0 0,-1 0 0,-1 0 0,0 0 0,-1 0 0,5 0 0,1 0 0,-1 0 0,0 0 0,-2 0 0,-2 0 0,1 0 0,-4 0 0,3 0 0,-1 0 0,0 0 0,-1 0 0,-1 0 0,-1 0 0,0 0 0,2 0 0,-2 0 0,2 0 0,-2 0 0,0 0 0,1 0 0,-1 0 0,2 0 0,-1 0 0,0 0 0,0 0 0,-1 0 0,-1 0 0,1 0 0,0 0 0,-1 0 0,1 0 0,0 0 0,0 2 0,0 0 0,0 0 0,-1 0 0,1-1 0,-1-1 0,1 0 0,1 0 0,1 0 0,2 0 0,-2 0 0,-1 0 0,0 0 0,-1 0 0,-1 0 0,-2 0 0</inkml:trace>
@@ -287,8 +287,8 @@
     <inkml:context xml:id="ctx0">
       <inkml:inkSource xml:id="inkSrc0">
         <inkml:traceFormat>
-          <inkml:channel name="X" type="integer" max="2147480000" min="-2147480000" units="cm"/>
-          <inkml:channel name="Y" type="integer" max="2147480000" min="-2147480000" units="cm"/>
+          <inkml:channel name="X" type="integer" min="-2.14748E9" max="2.14748E9" units="cm"/>
+          <inkml:channel name="Y" type="integer" min="-2.14748E9" max="2.14748E9" units="cm"/>
           <inkml:channel name="F" type="integer" max="32767" units="dev"/>
         </inkml:traceFormat>
         <inkml:channelProperties>
@@ -302,7 +302,7 @@
     <inkml:brush xml:id="br0">
       <inkml:brushProperty name="width" value="0.05" units="cm"/>
       <inkml:brushProperty name="height" value="0.05" units="cm"/>
-      <inkml:brushProperty name="color" value="#e71224"/>
+      <inkml:brushProperty name="color" value="#E71224"/>
     </inkml:brush>
   </inkml:definitions>
   <inkml:trace contextRef="#ctx0" brushRef="#br0">1 1 24575,'79'3'0,"1"1"0,0-1 0,0 1 0,5 0 0,-8-1 0,1 1 0,-1-1 0,0 1 0</inkml:trace>
@@ -315,8 +315,8 @@
     <inkml:context xml:id="ctx0">
       <inkml:inkSource xml:id="inkSrc0">
         <inkml:traceFormat>
-          <inkml:channel name="X" type="integer" max="2147480000" min="-2147480000" units="cm"/>
-          <inkml:channel name="Y" type="integer" max="2147480000" min="-2147480000" units="cm"/>
+          <inkml:channel name="X" type="integer" min="-2.14748E9" max="2.14748E9" units="cm"/>
+          <inkml:channel name="Y" type="integer" min="-2.14748E9" max="2.14748E9" units="cm"/>
           <inkml:channel name="F" type="integer" max="32767" units="dev"/>
         </inkml:traceFormat>
         <inkml:channelProperties>
@@ -330,7 +330,7 @@
     <inkml:brush xml:id="br0">
       <inkml:brushProperty name="width" value="0.05" units="cm"/>
       <inkml:brushProperty name="height" value="0.05" units="cm"/>
-      <inkml:brushProperty name="color" value="#e71224"/>
+      <inkml:brushProperty name="color" value="#E71224"/>
     </inkml:brush>
   </inkml:definitions>
   <inkml:trace contextRef="#ctx0" brushRef="#br0">1 10 24575,'19'0'0,"4"0"0,14 0 0,33 0 0,-18 0 0,26 0 0,-36 0 0,10 0 0,-2 0 0,-4 0 0,-11 0 0,-5 0 0,-9 0 0,-2 0 0,-1 0 0,2 0 0,1 0 0,1 0 0,-1 0 0,-4 0 0,-3 0 0,-3 0 0,0 0 0,0 0 0,-1 0 0,1 0 0,2 0 0,-1 0 0,3 0 0,-1 0 0,-2 0 0,-2 0 0,-5 0 0,0 0 0,0 0 0,0 0 0,0 0 0,-1 0 0,1 0 0,0 0 0,1 0 0,2 0 0,2 0 0,1 0 0,-3 0 0,0 0 0,2 0 0,1 0 0,3 0 0,0 0 0,-2 0 0,1 0 0,-2 0 0,7 0 0,0 0 0,-1 0 0,4 0 0,-3 0 0,-1 0 0,4 0 0,-9 0 0,3 0 0,-6 0 0,-1 0 0,-1 0 0,1 0 0,0-2 0,-1 0 0,-1-1 0,-1 1 0,0 1 0,0 1 0,-1 0 0,3 0 0,-1 0 0,1 0 0,-1 0 0,-1 0 0,0 0 0,0 0 0,0 0 0,1 0 0,0 0 0,0 0 0,-1 0 0,0 0 0,0 0 0,-1 0 0,1 0 0,0 0 0,2 0 0,1 0 0,2 0 0,0 0 0,0 0 0,-1 1 0,-2 2 0,-1-1 0,-1 1 0,0-3 0,0 0 0,1 0 0,0 0 0,0 0 0,-1 0 0,-1 0 0,0 0 0,3 0 0,-3 0 0,3 0 0,-1 0 0,1 0 0,1 0 0,-1 0 0,1 0 0,-3 0 0,2 0 0,-2 0 0,0 0 0,0 0 0,0 0 0,0 0 0,-1 0 0,1 0 0,0 0 0,0 0 0,0 0 0,-3 0 0,0 0 0</inkml:trace>
@@ -343,8 +343,8 @@
     <inkml:context xml:id="ctx0">
       <inkml:inkSource xml:id="inkSrc0">
         <inkml:traceFormat>
-          <inkml:channel name="X" type="integer" max="2147480000" min="-2147480000" units="cm"/>
-          <inkml:channel name="Y" type="integer" max="2147480000" min="-2147480000" units="cm"/>
+          <inkml:channel name="X" type="integer" min="-2.14748E9" max="2.14748E9" units="cm"/>
+          <inkml:channel name="Y" type="integer" min="-2.14748E9" max="2.14748E9" units="cm"/>
           <inkml:channel name="F" type="integer" max="32767" units="dev"/>
         </inkml:traceFormat>
         <inkml:channelProperties>
@@ -358,7 +358,7 @@
     <inkml:brush xml:id="br0">
       <inkml:brushProperty name="width" value="0.05" units="cm"/>
       <inkml:brushProperty name="height" value="0.05" units="cm"/>
-      <inkml:brushProperty name="color" value="#e71224"/>
+      <inkml:brushProperty name="color" value="#E71224"/>
     </inkml:brush>
   </inkml:definitions>
   <inkml:trace contextRef="#ctx0" brushRef="#br0">0 1 24575,'23'0'0,"8"0"0,-5 0 0,3 0 0,-13 0 0,-2 0 0,0 0 0,0 0 0,3 0 0,0 0 0,-1 0 0,-3 0 0,-1 0 0,-1 0 0,0 0 0,3 0 0,1 0 0,1 0 0,1 0 0,-3 0 0,-1 0 0,0 0 0,-4 0 0,-1 0 0,-2 0 0,1 0 0,-1 0 0,2 0 0,2 0 0,-2 0 0,3 0 0,-7 0 0,1 0 0,0 0 0,0 0 0,1 0 0,-1 0 0,2 0 0,0 0 0,-1 0 0,0 0 0,2 0 0,0 0 0,2 0 0,-3 0 0,1 0 0,-1 0 0,3 0 0,1 0 0,0 0 0,-1 0 0,1 0 0,0 0 0,2 2 0,1 1 0,1 0 0,-1 0 0,-3-3 0,2 0 0,-1 0 0,3 0 0,1 0 0,0 0 0,-1 0 0,-1 0 0,-2 0 0,-1 0 0,-2 0 0,-5 0 0,1 0 0,0 0 0,0 0 0,0 0 0,0 2 0,-1 0 0,1 1 0,0-1 0,-1-2 0,3 0 0,-2 0 0,2 0 0,1 0 0,-2 0 0,1 0 0,-2 2 0,0 0 0,0 1 0,0-1 0,0-1 0,-1-1 0,3 0 0,1 0 0,0 0 0,1 0 0,-3 0 0,3 0 0,4 2 0,4 1 0,4 0 0,-2-1 0,-3-2 0,-2 0 0,-4 0 0,3 0 0,1 0 0,0 0 0,0 0 0,-2 0 0,1 0 0,-4 0 0,4 0 0,-5 0 0,0 0 0,-1 0 0,1 0 0,1 0 0,-1 0 0,2 0 0,-1 0 0,2 0 0,0 0 0,-3 0 0,-3 0 0,0 0 0,-1 0 0,3 2 0,1 0 0,0 1 0,-1-1 0,1-1 0,0-1 0,0 0 0,-1 0 0,-1 0 0,-1 0 0,2 0 0,2 0 0,-1 0 0,2 0 0,-3 0 0,1 0 0,-1 0 0,-1 0 0,-1 0 0,-1 0 0,1 0 0,0 0 0,0 0 0,0 0 0,-1 0 0,1 0 0,0 0 0,0 0 0,0 0 0,0 0 0,-1 0 0,1 0 0,0 0 0,0 0 0,2 0 0,1 0 0,2 0 0,0 0 0,0 0 0,-2 0 0,0 0 0,-2 0 0,-2 0 0,1 0 0,0 0 0,0 0 0,-1 0 0,1 0 0,0 0 0,0 0 0,0 0 0,0 0 0,-1 0 0,1 0 0,1 0 0,-1 0 0,2 0 0,0 0 0,1 0 0,-1 0 0,-1 0 0,-1 0 0,-1 0 0,1 0 0,-3 0 0,0 0 0</inkml:trace>
@@ -371,8 +371,8 @@
     <inkml:context xml:id="ctx0">
       <inkml:inkSource xml:id="inkSrc0">
         <inkml:traceFormat>
-          <inkml:channel name="X" type="integer" max="2147480000" min="-2147480000" units="cm"/>
-          <inkml:channel name="Y" type="integer" max="2147480000" min="-2147480000" units="cm"/>
+          <inkml:channel name="X" type="integer" min="-2.14748E9" max="2.14748E9" units="cm"/>
+          <inkml:channel name="Y" type="integer" min="-2.14748E9" max="2.14748E9" units="cm"/>
           <inkml:channel name="F" type="integer" max="32767" units="dev"/>
         </inkml:traceFormat>
         <inkml:channelProperties>
@@ -386,7 +386,7 @@
     <inkml:brush xml:id="br0">
       <inkml:brushProperty name="width" value="0.05" units="cm"/>
       <inkml:brushProperty name="height" value="0.05" units="cm"/>
-      <inkml:brushProperty name="color" value="#e71224"/>
+      <inkml:brushProperty name="color" value="#E71224"/>
     </inkml:brush>
   </inkml:definitions>
   <inkml:trace contextRef="#ctx0" brushRef="#br0">1 0 24575,'12'0'0,"-1"0"0,2 0 0,0 0 0,-3 0 0,2 0 0,-3 0 0,0 0 0,1 0 0,-6 0 0,3 0 0,1 0 0,2 0 0,5 0 0,0 0 0,7 0 0,1 0 0,1 0 0,-2 0 0,-5 0 0,-3 0 0,0 0 0,0 0 0,0 0 0,0 0 0,-2 0 0,-1 0 0,-1 0 0,1 0 0,0 0 0,-1 0 0,1 0 0,0 0 0,0 0 0,-1 0 0,-1 0 0,1 0 0,-2 0 0,2 0 0,0 0 0,0 0 0,-1 0 0,1 0 0,-1 0 0,0 0 0,-2 0 0,-1 0 0,1 0 0,-1 0 0,0 0 0,-1 0 0,0 0 0,1 0 0,-1 0 0,1 0 0,-2 0 0,1 0 0,-1 0 0,1 0 0,0 0 0,0 0 0,2 3 0,-1-1 0,2 1 0,-1-1 0,0-2 0,-3 0 0,1 0 0,0 0 0,-1 0 0,3 2 0,-2 0 0,2 1 0,-3-1 0,1-2 0,0 0 0,0 0 0,1 0 0,-1 0 0,2 0 0,3 0 0,0 0 0,1 0 0,-3 0 0,-3 0 0,0 0 0,0 0 0,0 0 0,-1 0 0,3 0 0,-1 0 0,0 0 0,-1 0 0,-1 0 0,0 0 0,1 0 0,-1 0 0,0 0 0,-1 2 0,-1 0 0,-2 1 0,0-2 0</inkml:trace>
@@ -475,6 +475,7 @@
           <a:p>
             <a:fld id="{1B92B083-CBF8-49B5-9094-FDDD82E335A5}" type="datetimeFigureOut">
               <a:rPr lang="zh-CN" altLang="en-US" smtClean="0"/>
+              <a:t>2024/6/18</a:t>
             </a:fld>
             <a:endParaRPr lang="zh-CN" altLang="en-US"/>
           </a:p>
@@ -541,7 +542,6 @@
               <a:rPr lang="zh-CN" altLang="en-US"/>
               <a:t>单击此处编辑母版文本样式</a:t>
             </a:r>
-            <a:endParaRPr lang="zh-CN" altLang="en-US"/>
           </a:p>
           <a:p>
             <a:pPr lvl="1"/>
@@ -549,7 +549,6 @@
               <a:rPr lang="zh-CN" altLang="en-US"/>
               <a:t>第二级</a:t>
             </a:r>
-            <a:endParaRPr lang="zh-CN" altLang="en-US"/>
           </a:p>
           <a:p>
             <a:pPr lvl="2"/>
@@ -557,7 +556,6 @@
               <a:rPr lang="zh-CN" altLang="en-US"/>
               <a:t>第三级</a:t>
             </a:r>
-            <a:endParaRPr lang="zh-CN" altLang="en-US"/>
           </a:p>
           <a:p>
             <a:pPr lvl="3"/>
@@ -565,7 +563,6 @@
               <a:rPr lang="zh-CN" altLang="en-US"/>
               <a:t>第四级</a:t>
             </a:r>
-            <a:endParaRPr lang="zh-CN" altLang="en-US"/>
           </a:p>
           <a:p>
             <a:pPr lvl="4"/>
@@ -573,7 +570,6 @@
               <a:rPr lang="zh-CN" altLang="en-US"/>
               <a:t>第五级</a:t>
             </a:r>
-            <a:endParaRPr lang="zh-CN" altLang="en-US"/>
           </a:p>
         </p:txBody>
       </p:sp>
@@ -637,6 +633,7 @@
           <a:p>
             <a:fld id="{EB078A36-1A71-416E-9759-BFC49320AA69}" type="slidenum">
               <a:rPr lang="zh-CN" altLang="en-US" smtClean="0"/>
+              <a:t>‹#›</a:t>
             </a:fld>
             <a:endParaRPr lang="zh-CN" altLang="en-US"/>
           </a:p>
@@ -823,6 +820,7 @@
                 <a:latin typeface="等线" panose="02010600030101010101" charset="-122"/>
                 <a:ea typeface="等线" panose="02010600030101010101" charset="-122"/>
               </a:rPr>
+              <a:t>1</a:t>
             </a:fld>
             <a:endParaRPr lang="zh-CN" altLang="en-US">
               <a:solidFill>
@@ -916,6 +914,7 @@
                   <a:prstClr val="black"/>
                 </a:solidFill>
               </a:rPr>
+              <a:t>10</a:t>
             </a:fld>
             <a:endParaRPr lang="zh-CN" altLang="en-US">
               <a:solidFill>
@@ -1011,6 +1010,7 @@
                   <a:prstClr val="black"/>
                 </a:solidFill>
               </a:rPr>
+              <a:t>11</a:t>
             </a:fld>
             <a:endParaRPr lang="zh-CN" altLang="en-US">
               <a:solidFill>
@@ -1102,6 +1102,7 @@
                   <a:prstClr val="black"/>
                 </a:solidFill>
               </a:rPr>
+              <a:t>2</a:t>
             </a:fld>
             <a:endParaRPr lang="zh-CN" altLang="en-US">
               <a:solidFill>
@@ -1193,6 +1194,7 @@
                   <a:prstClr val="black"/>
                 </a:solidFill>
               </a:rPr>
+              <a:t>3</a:t>
             </a:fld>
             <a:endParaRPr lang="zh-CN" altLang="en-US">
               <a:solidFill>
@@ -1284,6 +1286,7 @@
                   <a:prstClr val="black"/>
                 </a:solidFill>
               </a:rPr>
+              <a:t>4</a:t>
             </a:fld>
             <a:endParaRPr lang="zh-CN" altLang="en-US">
               <a:solidFill>
@@ -1375,6 +1378,7 @@
                   <a:prstClr val="black"/>
                 </a:solidFill>
               </a:rPr>
+              <a:t>5</a:t>
             </a:fld>
             <a:endParaRPr lang="zh-CN" altLang="en-US">
               <a:solidFill>
@@ -1466,6 +1470,7 @@
                   <a:prstClr val="black"/>
                 </a:solidFill>
               </a:rPr>
+              <a:t>6</a:t>
             </a:fld>
             <a:endParaRPr lang="zh-CN" altLang="en-US">
               <a:solidFill>
@@ -1557,6 +1562,7 @@
                   <a:prstClr val="black"/>
                 </a:solidFill>
               </a:rPr>
+              <a:t>7</a:t>
             </a:fld>
             <a:endParaRPr lang="zh-CN" altLang="en-US">
               <a:solidFill>
@@ -1648,6 +1654,7 @@
                   <a:prstClr val="black"/>
                 </a:solidFill>
               </a:rPr>
+              <a:t>8</a:t>
             </a:fld>
             <a:endParaRPr lang="zh-CN" altLang="en-US">
               <a:solidFill>
@@ -1739,6 +1746,7 @@
                   <a:prstClr val="black"/>
                 </a:solidFill>
               </a:rPr>
+              <a:t>9</a:t>
             </a:fld>
             <a:endParaRPr lang="zh-CN" altLang="en-US">
               <a:solidFill>
@@ -1797,7 +1805,6 @@
               <a:rPr lang="zh-CN" altLang="en-US"/>
               <a:t>单击此处编辑母版标题样式</a:t>
             </a:r>
-            <a:endParaRPr lang="zh-CN" altLang="en-US"/>
           </a:p>
         </p:txBody>
       </p:sp>
@@ -1916,7 +1923,6 @@
               <a:rPr lang="zh-CN" altLang="en-US"/>
               <a:t>单击此处编辑母版副标题样式</a:t>
             </a:r>
-            <a:endParaRPr lang="zh-CN" altLang="en-US"/>
           </a:p>
         </p:txBody>
       </p:sp>
@@ -1943,6 +1949,7 @@
                   </a:prstClr>
                 </a:solidFill>
               </a:rPr>
+              <a:t>2024/6/18</a:t>
             </a:fld>
             <a:endParaRPr lang="zh-CN" altLang="en-US">
               <a:solidFill>
@@ -2002,6 +2009,7 @@
                   </a:prstClr>
                 </a:solidFill>
               </a:rPr>
+              <a:t>‹#›</a:t>
             </a:fld>
             <a:endParaRPr lang="zh-CN" altLang="en-US">
               <a:solidFill>
@@ -2057,7 +2065,6 @@
               <a:rPr lang="zh-CN" altLang="en-US"/>
               <a:t>单击此处编辑母版标题样式</a:t>
             </a:r>
-            <a:endParaRPr lang="zh-CN" altLang="en-US"/>
           </a:p>
         </p:txBody>
       </p:sp>
@@ -2081,7 +2088,6 @@
               <a:rPr lang="zh-CN" altLang="en-US"/>
               <a:t>单击此处编辑母版文本样式</a:t>
             </a:r>
-            <a:endParaRPr lang="zh-CN" altLang="en-US"/>
           </a:p>
           <a:p>
             <a:pPr lvl="1"/>
@@ -2089,7 +2095,6 @@
               <a:rPr lang="zh-CN" altLang="en-US"/>
               <a:t>第二级</a:t>
             </a:r>
-            <a:endParaRPr lang="zh-CN" altLang="en-US"/>
           </a:p>
           <a:p>
             <a:pPr lvl="2"/>
@@ -2097,7 +2102,6 @@
               <a:rPr lang="zh-CN" altLang="en-US"/>
               <a:t>第三级</a:t>
             </a:r>
-            <a:endParaRPr lang="zh-CN" altLang="en-US"/>
           </a:p>
           <a:p>
             <a:pPr lvl="3"/>
@@ -2105,7 +2109,6 @@
               <a:rPr lang="zh-CN" altLang="en-US"/>
               <a:t>第四级</a:t>
             </a:r>
-            <a:endParaRPr lang="zh-CN" altLang="en-US"/>
           </a:p>
           <a:p>
             <a:pPr lvl="4"/>
@@ -2113,7 +2116,6 @@
               <a:rPr lang="zh-CN" altLang="en-US"/>
               <a:t>第五级</a:t>
             </a:r>
-            <a:endParaRPr lang="zh-CN" altLang="en-US"/>
           </a:p>
         </p:txBody>
       </p:sp>
@@ -2140,6 +2142,7 @@
                   </a:prstClr>
                 </a:solidFill>
               </a:rPr>
+              <a:t>2024/6/18</a:t>
             </a:fld>
             <a:endParaRPr lang="zh-CN" altLang="en-US">
               <a:solidFill>
@@ -2199,6 +2202,7 @@
                   </a:prstClr>
                 </a:solidFill>
               </a:rPr>
+              <a:t>‹#›</a:t>
             </a:fld>
             <a:endParaRPr lang="zh-CN" altLang="en-US">
               <a:solidFill>
@@ -2259,7 +2263,6 @@
               <a:rPr lang="zh-CN" altLang="en-US"/>
               <a:t>单击此处编辑母版标题样式</a:t>
             </a:r>
-            <a:endParaRPr lang="zh-CN" altLang="en-US"/>
           </a:p>
         </p:txBody>
       </p:sp>
@@ -2288,7 +2291,6 @@
               <a:rPr lang="zh-CN" altLang="en-US"/>
               <a:t>单击此处编辑母版文本样式</a:t>
             </a:r>
-            <a:endParaRPr lang="zh-CN" altLang="en-US"/>
           </a:p>
           <a:p>
             <a:pPr lvl="1"/>
@@ -2296,7 +2298,6 @@
               <a:rPr lang="zh-CN" altLang="en-US"/>
               <a:t>第二级</a:t>
             </a:r>
-            <a:endParaRPr lang="zh-CN" altLang="en-US"/>
           </a:p>
           <a:p>
             <a:pPr lvl="2"/>
@@ -2304,7 +2305,6 @@
               <a:rPr lang="zh-CN" altLang="en-US"/>
               <a:t>第三级</a:t>
             </a:r>
-            <a:endParaRPr lang="zh-CN" altLang="en-US"/>
           </a:p>
           <a:p>
             <a:pPr lvl="3"/>
@@ -2312,7 +2312,6 @@
               <a:rPr lang="zh-CN" altLang="en-US"/>
               <a:t>第四级</a:t>
             </a:r>
-            <a:endParaRPr lang="zh-CN" altLang="en-US"/>
           </a:p>
           <a:p>
             <a:pPr lvl="4"/>
@@ -2320,7 +2319,6 @@
               <a:rPr lang="zh-CN" altLang="en-US"/>
               <a:t>第五级</a:t>
             </a:r>
-            <a:endParaRPr lang="zh-CN" altLang="en-US"/>
           </a:p>
         </p:txBody>
       </p:sp>
@@ -2347,6 +2345,7 @@
                   </a:prstClr>
                 </a:solidFill>
               </a:rPr>
+              <a:t>2024/6/18</a:t>
             </a:fld>
             <a:endParaRPr lang="zh-CN" altLang="en-US">
               <a:solidFill>
@@ -2406,6 +2405,7 @@
                   </a:prstClr>
                 </a:solidFill>
               </a:rPr>
+              <a:t>‹#›</a:t>
             </a:fld>
             <a:endParaRPr lang="zh-CN" altLang="en-US">
               <a:solidFill>
@@ -3277,7 +3277,6 @@
               <a:rPr lang="zh-CN" altLang="en-US"/>
               <a:t>单击此处编辑母版标题样式</a:t>
             </a:r>
-            <a:endParaRPr lang="zh-CN" altLang="en-US"/>
           </a:p>
         </p:txBody>
       </p:sp>
@@ -3301,7 +3300,6 @@
               <a:rPr lang="zh-CN" altLang="en-US"/>
               <a:t>单击此处编辑母版文本样式</a:t>
             </a:r>
-            <a:endParaRPr lang="zh-CN" altLang="en-US"/>
           </a:p>
           <a:p>
             <a:pPr lvl="1"/>
@@ -3309,7 +3307,6 @@
               <a:rPr lang="zh-CN" altLang="en-US"/>
               <a:t>第二级</a:t>
             </a:r>
-            <a:endParaRPr lang="zh-CN" altLang="en-US"/>
           </a:p>
           <a:p>
             <a:pPr lvl="2"/>
@@ -3317,7 +3314,6 @@
               <a:rPr lang="zh-CN" altLang="en-US"/>
               <a:t>第三级</a:t>
             </a:r>
-            <a:endParaRPr lang="zh-CN" altLang="en-US"/>
           </a:p>
           <a:p>
             <a:pPr lvl="3"/>
@@ -3325,7 +3321,6 @@
               <a:rPr lang="zh-CN" altLang="en-US"/>
               <a:t>第四级</a:t>
             </a:r>
-            <a:endParaRPr lang="zh-CN" altLang="en-US"/>
           </a:p>
           <a:p>
             <a:pPr lvl="4"/>
@@ -3333,7 +3328,6 @@
               <a:rPr lang="zh-CN" altLang="en-US"/>
               <a:t>第五级</a:t>
             </a:r>
-            <a:endParaRPr lang="zh-CN" altLang="en-US"/>
           </a:p>
         </p:txBody>
       </p:sp>
@@ -3360,6 +3354,7 @@
                   </a:prstClr>
                 </a:solidFill>
               </a:rPr>
+              <a:t>2024/6/18</a:t>
             </a:fld>
             <a:endParaRPr lang="zh-CN" altLang="en-US">
               <a:solidFill>
@@ -3419,6 +3414,7 @@
                   </a:prstClr>
                 </a:solidFill>
               </a:rPr>
+              <a:t>‹#›</a:t>
             </a:fld>
             <a:endParaRPr lang="zh-CN" altLang="en-US">
               <a:solidFill>
@@ -4302,7 +4298,6 @@
               <a:rPr lang="zh-CN" altLang="en-US"/>
               <a:t>单击此处编辑母版标题样式</a:t>
             </a:r>
-            <a:endParaRPr lang="zh-CN" altLang="en-US"/>
           </a:p>
         </p:txBody>
       </p:sp>
@@ -4358,7 +4353,6 @@
               <a:rPr lang="zh-CN" altLang="en-US"/>
               <a:t>单击此处编辑母版标题样式</a:t>
             </a:r>
-            <a:endParaRPr lang="zh-CN" altLang="en-US"/>
           </a:p>
         </p:txBody>
       </p:sp>
@@ -4414,7 +4408,6 @@
               <a:rPr lang="zh-CN" altLang="en-US"/>
               <a:t>单击此处编辑母版标题样式</a:t>
             </a:r>
-            <a:endParaRPr lang="zh-CN" altLang="en-US"/>
           </a:p>
         </p:txBody>
       </p:sp>
@@ -4470,7 +4463,6 @@
               <a:rPr lang="zh-CN" altLang="en-US"/>
               <a:t>单击此处编辑母版标题样式</a:t>
             </a:r>
-            <a:endParaRPr lang="zh-CN" altLang="en-US"/>
           </a:p>
         </p:txBody>
       </p:sp>
@@ -4526,7 +4518,6 @@
               <a:rPr lang="zh-CN" altLang="en-US"/>
               <a:t>单击此处编辑母版标题样式</a:t>
             </a:r>
-            <a:endParaRPr lang="zh-CN" altLang="en-US"/>
           </a:p>
         </p:txBody>
       </p:sp>
@@ -4582,7 +4573,6 @@
               <a:rPr lang="zh-CN" altLang="en-US"/>
               <a:t>单击此处编辑母版标题样式</a:t>
             </a:r>
-            <a:endParaRPr lang="zh-CN" altLang="en-US"/>
           </a:p>
         </p:txBody>
       </p:sp>
@@ -4639,7 +4629,6 @@
               <a:rPr lang="zh-CN" altLang="en-US"/>
               <a:t>单击此处编辑母版标题样式</a:t>
             </a:r>
-            <a:endParaRPr lang="zh-CN" altLang="en-US"/>
           </a:p>
         </p:txBody>
       </p:sp>
@@ -4759,7 +4748,6 @@
               <a:rPr lang="zh-CN" altLang="en-US"/>
               <a:t>单击此处编辑母版文本样式</a:t>
             </a:r>
-            <a:endParaRPr lang="zh-CN" altLang="en-US"/>
           </a:p>
         </p:txBody>
       </p:sp>
@@ -4786,6 +4774,7 @@
                   </a:prstClr>
                 </a:solidFill>
               </a:rPr>
+              <a:t>2024/6/18</a:t>
             </a:fld>
             <a:endParaRPr lang="zh-CN" altLang="en-US">
               <a:solidFill>
@@ -4845,6 +4834,7 @@
                   </a:prstClr>
                 </a:solidFill>
               </a:rPr>
+              <a:t>‹#›</a:t>
             </a:fld>
             <a:endParaRPr lang="zh-CN" altLang="en-US">
               <a:solidFill>
@@ -4908,7 +4898,6 @@
               <a:rPr lang="zh-CN" altLang="en-US"/>
               <a:t>单击此处编辑母版标题样式</a:t>
             </a:r>
-            <a:endParaRPr lang="zh-CN" altLang="en-US"/>
           </a:p>
         </p:txBody>
       </p:sp>
@@ -4964,7 +4953,6 @@
               <a:rPr lang="zh-CN" altLang="en-US"/>
               <a:t>单击此处编辑母版标题样式</a:t>
             </a:r>
-            <a:endParaRPr lang="zh-CN" altLang="en-US"/>
           </a:p>
         </p:txBody>
       </p:sp>
@@ -5020,7 +5008,6 @@
               <a:rPr lang="zh-CN" altLang="en-US"/>
               <a:t>单击此处编辑母版标题样式</a:t>
             </a:r>
-            <a:endParaRPr lang="zh-CN" altLang="en-US"/>
           </a:p>
         </p:txBody>
       </p:sp>
@@ -5076,7 +5063,6 @@
               <a:rPr lang="zh-CN" altLang="en-US"/>
               <a:t>单击此处编辑母版标题样式</a:t>
             </a:r>
-            <a:endParaRPr lang="zh-CN" altLang="en-US"/>
           </a:p>
         </p:txBody>
       </p:sp>
@@ -5132,7 +5118,6 @@
               <a:rPr lang="zh-CN" altLang="en-US"/>
               <a:t>单击此处编辑母版标题样式</a:t>
             </a:r>
-            <a:endParaRPr lang="zh-CN" altLang="en-US"/>
           </a:p>
         </p:txBody>
       </p:sp>
@@ -5188,7 +5173,6 @@
               <a:rPr lang="zh-CN" altLang="en-US"/>
               <a:t>单击此处编辑母版标题样式</a:t>
             </a:r>
-            <a:endParaRPr lang="zh-CN" altLang="en-US"/>
           </a:p>
         </p:txBody>
       </p:sp>
@@ -5244,7 +5228,6 @@
               <a:rPr lang="zh-CN" altLang="en-US"/>
               <a:t>单击此处编辑母版标题样式</a:t>
             </a:r>
-            <a:endParaRPr lang="zh-CN" altLang="en-US"/>
           </a:p>
         </p:txBody>
       </p:sp>
@@ -5300,7 +5283,6 @@
               <a:rPr lang="zh-CN" altLang="en-US"/>
               <a:t>单击此处编辑母版标题样式</a:t>
             </a:r>
-            <a:endParaRPr lang="zh-CN" altLang="en-US"/>
           </a:p>
         </p:txBody>
       </p:sp>
@@ -5356,7 +5338,6 @@
               <a:rPr lang="zh-CN" altLang="en-US"/>
               <a:t>单击此处编辑母版标题样式</a:t>
             </a:r>
-            <a:endParaRPr lang="zh-CN" altLang="en-US"/>
           </a:p>
         </p:txBody>
       </p:sp>
@@ -5412,7 +5393,6 @@
               <a:rPr lang="zh-CN" altLang="en-US"/>
               <a:t>单击此处编辑母版标题样式</a:t>
             </a:r>
-            <a:endParaRPr lang="zh-CN" altLang="en-US"/>
           </a:p>
         </p:txBody>
       </p:sp>
@@ -5460,7 +5440,6 @@
               <a:rPr lang="zh-CN" altLang="en-US"/>
               <a:t>单击此处编辑母版标题样式</a:t>
             </a:r>
-            <a:endParaRPr lang="zh-CN" altLang="en-US"/>
           </a:p>
         </p:txBody>
       </p:sp>
@@ -5517,7 +5496,6 @@
               <a:rPr lang="zh-CN" altLang="en-US"/>
               <a:t>单击此处编辑母版文本样式</a:t>
             </a:r>
-            <a:endParaRPr lang="zh-CN" altLang="en-US"/>
           </a:p>
           <a:p>
             <a:pPr lvl="1"/>
@@ -5525,7 +5503,6 @@
               <a:rPr lang="zh-CN" altLang="en-US"/>
               <a:t>第二级</a:t>
             </a:r>
-            <a:endParaRPr lang="zh-CN" altLang="en-US"/>
           </a:p>
           <a:p>
             <a:pPr lvl="2"/>
@@ -5533,7 +5510,6 @@
               <a:rPr lang="zh-CN" altLang="en-US"/>
               <a:t>第三级</a:t>
             </a:r>
-            <a:endParaRPr lang="zh-CN" altLang="en-US"/>
           </a:p>
           <a:p>
             <a:pPr lvl="3"/>
@@ -5541,7 +5517,6 @@
               <a:rPr lang="zh-CN" altLang="en-US"/>
               <a:t>第四级</a:t>
             </a:r>
-            <a:endParaRPr lang="zh-CN" altLang="en-US"/>
           </a:p>
           <a:p>
             <a:pPr lvl="4"/>
@@ -5549,7 +5524,6 @@
               <a:rPr lang="zh-CN" altLang="en-US"/>
               <a:t>第五级</a:t>
             </a:r>
-            <a:endParaRPr lang="zh-CN" altLang="en-US"/>
           </a:p>
         </p:txBody>
       </p:sp>
@@ -5606,7 +5580,6 @@
               <a:rPr lang="zh-CN" altLang="en-US"/>
               <a:t>单击此处编辑母版文本样式</a:t>
             </a:r>
-            <a:endParaRPr lang="zh-CN" altLang="en-US"/>
           </a:p>
           <a:p>
             <a:pPr lvl="1"/>
@@ -5614,7 +5587,6 @@
               <a:rPr lang="zh-CN" altLang="en-US"/>
               <a:t>第二级</a:t>
             </a:r>
-            <a:endParaRPr lang="zh-CN" altLang="en-US"/>
           </a:p>
           <a:p>
             <a:pPr lvl="2"/>
@@ -5622,7 +5594,6 @@
               <a:rPr lang="zh-CN" altLang="en-US"/>
               <a:t>第三级</a:t>
             </a:r>
-            <a:endParaRPr lang="zh-CN" altLang="en-US"/>
           </a:p>
           <a:p>
             <a:pPr lvl="3"/>
@@ -5630,7 +5601,6 @@
               <a:rPr lang="zh-CN" altLang="en-US"/>
               <a:t>第四级</a:t>
             </a:r>
-            <a:endParaRPr lang="zh-CN" altLang="en-US"/>
           </a:p>
           <a:p>
             <a:pPr lvl="4"/>
@@ -5638,7 +5608,6 @@
               <a:rPr lang="zh-CN" altLang="en-US"/>
               <a:t>第五级</a:t>
             </a:r>
-            <a:endParaRPr lang="zh-CN" altLang="en-US"/>
           </a:p>
         </p:txBody>
       </p:sp>
@@ -5665,6 +5634,7 @@
                   </a:prstClr>
                 </a:solidFill>
               </a:rPr>
+              <a:t>2024/6/18</a:t>
             </a:fld>
             <a:endParaRPr lang="zh-CN" altLang="en-US">
               <a:solidFill>
@@ -5724,6 +5694,7 @@
                   </a:prstClr>
                 </a:solidFill>
               </a:rPr>
+              <a:t>‹#›</a:t>
             </a:fld>
             <a:endParaRPr lang="zh-CN" altLang="en-US">
               <a:solidFill>
@@ -5787,7 +5758,6 @@
               <a:rPr lang="zh-CN" altLang="en-US"/>
               <a:t>单击此处编辑母版标题样式</a:t>
             </a:r>
-            <a:endParaRPr lang="zh-CN" altLang="en-US"/>
           </a:p>
         </p:txBody>
       </p:sp>
@@ -5843,7 +5813,6 @@
               <a:rPr lang="zh-CN" altLang="en-US"/>
               <a:t>单击此处编辑母版标题样式</a:t>
             </a:r>
-            <a:endParaRPr lang="zh-CN" altLang="en-US"/>
           </a:p>
         </p:txBody>
       </p:sp>
@@ -5899,7 +5868,6 @@
               <a:rPr lang="zh-CN" altLang="en-US"/>
               <a:t>单击此处编辑母版标题样式</a:t>
             </a:r>
-            <a:endParaRPr lang="zh-CN" altLang="en-US"/>
           </a:p>
         </p:txBody>
       </p:sp>
@@ -5955,7 +5923,6 @@
               <a:rPr lang="zh-CN" altLang="en-US"/>
               <a:t>单击此处编辑母版标题样式</a:t>
             </a:r>
-            <a:endParaRPr lang="zh-CN" altLang="en-US"/>
           </a:p>
         </p:txBody>
       </p:sp>
@@ -6011,7 +5978,6 @@
               <a:rPr lang="zh-CN" altLang="en-US"/>
               <a:t>单击此处编辑母版标题样式</a:t>
             </a:r>
-            <a:endParaRPr lang="zh-CN" altLang="en-US"/>
           </a:p>
         </p:txBody>
       </p:sp>
@@ -6067,7 +6033,6 @@
               <a:rPr lang="zh-CN" altLang="en-US"/>
               <a:t>单击此处编辑母版标题样式</a:t>
             </a:r>
-            <a:endParaRPr lang="zh-CN" altLang="en-US"/>
           </a:p>
         </p:txBody>
       </p:sp>
@@ -6137,12 +6102,6 @@
               </a:rPr>
               <a:t>http://www.1ppt.com/hangye/</a:t>
             </a:r>
-            <a:endParaRPr lang="en-US" altLang="zh-CN" sz="100" dirty="0">
-              <a:solidFill>
-                <a:prstClr val="black"/>
-              </a:solidFill>
-              <a:latin typeface="微软雅黑" panose="020B0503020204020204" pitchFamily="34" charset="-122"/>
-            </a:endParaRPr>
           </a:p>
         </p:txBody>
       </p:sp>
@@ -6198,7 +6157,6 @@
               <a:rPr lang="zh-CN" altLang="en-US"/>
               <a:t>单击此处编辑母版标题样式</a:t>
             </a:r>
-            <a:endParaRPr lang="zh-CN" altLang="en-US"/>
           </a:p>
         </p:txBody>
       </p:sp>
@@ -6254,7 +6212,6 @@
               <a:rPr lang="zh-CN" altLang="en-US"/>
               <a:t>单击此处编辑母版标题样式</a:t>
             </a:r>
-            <a:endParaRPr lang="zh-CN" altLang="en-US"/>
           </a:p>
         </p:txBody>
       </p:sp>
@@ -6310,7 +6267,6 @@
               <a:rPr lang="zh-CN" altLang="en-US"/>
               <a:t>单击此处编辑母版标题样式</a:t>
             </a:r>
-            <a:endParaRPr lang="zh-CN" altLang="en-US"/>
           </a:p>
         </p:txBody>
       </p:sp>
@@ -6342,7 +6298,6 @@
               <a:rPr lang="zh-CN" altLang="en-US"/>
               <a:t>单击此处编辑母版文本样式</a:t>
             </a:r>
-            <a:endParaRPr lang="zh-CN" altLang="en-US"/>
           </a:p>
           <a:p>
             <a:pPr lvl="1"/>
@@ -6350,7 +6305,6 @@
               <a:rPr lang="zh-CN" altLang="en-US"/>
               <a:t>第二级</a:t>
             </a:r>
-            <a:endParaRPr lang="zh-CN" altLang="en-US"/>
           </a:p>
           <a:p>
             <a:pPr lvl="2"/>
@@ -6358,7 +6312,6 @@
               <a:rPr lang="zh-CN" altLang="en-US"/>
               <a:t>第三级</a:t>
             </a:r>
-            <a:endParaRPr lang="zh-CN" altLang="en-US"/>
           </a:p>
           <a:p>
             <a:pPr lvl="3"/>
@@ -6366,7 +6319,6 @@
               <a:rPr lang="zh-CN" altLang="en-US"/>
               <a:t>第四级</a:t>
             </a:r>
-            <a:endParaRPr lang="zh-CN" altLang="en-US"/>
           </a:p>
           <a:p>
             <a:pPr lvl="4"/>
@@ -6374,7 +6326,6 @@
               <a:rPr lang="zh-CN" altLang="en-US"/>
               <a:t>第五级</a:t>
             </a:r>
-            <a:endParaRPr lang="zh-CN" altLang="en-US"/>
           </a:p>
         </p:txBody>
       </p:sp>
@@ -6408,6 +6359,7 @@
                   <a:prstClr val="black"/>
                 </a:solidFill>
               </a:rPr>
+              <a:t>2024/6/18</a:t>
             </a:fld>
             <a:endParaRPr lang="zh-CN" altLang="en-US" sz="1800">
               <a:solidFill>
@@ -6479,6 +6431,7 @@
                   <a:prstClr val="black"/>
                 </a:solidFill>
               </a:rPr>
+              <a:t>‹#›</a:t>
             </a:fld>
             <a:endParaRPr lang="zh-CN" altLang="en-US" sz="1800">
               <a:solidFill>
@@ -6540,7 +6493,6 @@
               <a:rPr lang="zh-CN" altLang="en-US"/>
               <a:t>单击此处编辑母版标题样式</a:t>
             </a:r>
-            <a:endParaRPr lang="zh-CN" altLang="en-US"/>
           </a:p>
         </p:txBody>
       </p:sp>
@@ -6572,7 +6524,6 @@
               <a:rPr lang="zh-CN" altLang="en-US"/>
               <a:t>单击此处编辑母版文本样式</a:t>
             </a:r>
-            <a:endParaRPr lang="zh-CN" altLang="en-US"/>
           </a:p>
           <a:p>
             <a:pPr lvl="1"/>
@@ -6580,7 +6531,6 @@
               <a:rPr lang="zh-CN" altLang="en-US"/>
               <a:t>第二级</a:t>
             </a:r>
-            <a:endParaRPr lang="zh-CN" altLang="en-US"/>
           </a:p>
           <a:p>
             <a:pPr lvl="2"/>
@@ -6588,7 +6538,6 @@
               <a:rPr lang="zh-CN" altLang="en-US"/>
               <a:t>第三级</a:t>
             </a:r>
-            <a:endParaRPr lang="zh-CN" altLang="en-US"/>
           </a:p>
           <a:p>
             <a:pPr lvl="3"/>
@@ -6596,7 +6545,6 @@
               <a:rPr lang="zh-CN" altLang="en-US"/>
               <a:t>第四级</a:t>
             </a:r>
-            <a:endParaRPr lang="zh-CN" altLang="en-US"/>
           </a:p>
           <a:p>
             <a:pPr lvl="4"/>
@@ -6604,7 +6552,6 @@
               <a:rPr lang="zh-CN" altLang="en-US"/>
               <a:t>第五级</a:t>
             </a:r>
-            <a:endParaRPr lang="zh-CN" altLang="en-US"/>
           </a:p>
         </p:txBody>
       </p:sp>
@@ -6638,6 +6585,7 @@
                   <a:prstClr val="black"/>
                 </a:solidFill>
               </a:rPr>
+              <a:t>2024/6/18</a:t>
             </a:fld>
             <a:endParaRPr lang="zh-CN" altLang="en-US" sz="1800">
               <a:solidFill>
@@ -6709,6 +6657,7 @@
                   <a:prstClr val="black"/>
                 </a:solidFill>
               </a:rPr>
+              <a:t>‹#›</a:t>
             </a:fld>
             <a:endParaRPr lang="zh-CN" altLang="en-US" sz="1800">
               <a:solidFill>
@@ -6766,7 +6715,6 @@
               <a:rPr lang="zh-CN" altLang="en-US"/>
               <a:t>单击此处编辑母版标题样式</a:t>
             </a:r>
-            <a:endParaRPr lang="zh-CN" altLang="en-US"/>
           </a:p>
         </p:txBody>
       </p:sp>
@@ -6832,7 +6780,6 @@
               <a:rPr lang="zh-CN" altLang="en-US"/>
               <a:t>单击此处编辑母版文本样式</a:t>
             </a:r>
-            <a:endParaRPr lang="zh-CN" altLang="en-US"/>
           </a:p>
         </p:txBody>
       </p:sp>
@@ -6889,7 +6836,6 @@
               <a:rPr lang="zh-CN" altLang="en-US"/>
               <a:t>单击此处编辑母版文本样式</a:t>
             </a:r>
-            <a:endParaRPr lang="zh-CN" altLang="en-US"/>
           </a:p>
           <a:p>
             <a:pPr lvl="1"/>
@@ -6897,7 +6843,6 @@
               <a:rPr lang="zh-CN" altLang="en-US"/>
               <a:t>第二级</a:t>
             </a:r>
-            <a:endParaRPr lang="zh-CN" altLang="en-US"/>
           </a:p>
           <a:p>
             <a:pPr lvl="2"/>
@@ -6905,7 +6850,6 @@
               <a:rPr lang="zh-CN" altLang="en-US"/>
               <a:t>第三级</a:t>
             </a:r>
-            <a:endParaRPr lang="zh-CN" altLang="en-US"/>
           </a:p>
           <a:p>
             <a:pPr lvl="3"/>
@@ -6913,7 +6857,6 @@
               <a:rPr lang="zh-CN" altLang="en-US"/>
               <a:t>第四级</a:t>
             </a:r>
-            <a:endParaRPr lang="zh-CN" altLang="en-US"/>
           </a:p>
           <a:p>
             <a:pPr lvl="4"/>
@@ -6921,7 +6864,6 @@
               <a:rPr lang="zh-CN" altLang="en-US"/>
               <a:t>第五级</a:t>
             </a:r>
-            <a:endParaRPr lang="zh-CN" altLang="en-US"/>
           </a:p>
         </p:txBody>
       </p:sp>
@@ -6987,7 +6929,6 @@
               <a:rPr lang="zh-CN" altLang="en-US"/>
               <a:t>单击此处编辑母版文本样式</a:t>
             </a:r>
-            <a:endParaRPr lang="zh-CN" altLang="en-US"/>
           </a:p>
         </p:txBody>
       </p:sp>
@@ -7044,7 +6985,6 @@
               <a:rPr lang="zh-CN" altLang="en-US"/>
               <a:t>单击此处编辑母版文本样式</a:t>
             </a:r>
-            <a:endParaRPr lang="zh-CN" altLang="en-US"/>
           </a:p>
           <a:p>
             <a:pPr lvl="1"/>
@@ -7052,7 +6992,6 @@
               <a:rPr lang="zh-CN" altLang="en-US"/>
               <a:t>第二级</a:t>
             </a:r>
-            <a:endParaRPr lang="zh-CN" altLang="en-US"/>
           </a:p>
           <a:p>
             <a:pPr lvl="2"/>
@@ -7060,7 +6999,6 @@
               <a:rPr lang="zh-CN" altLang="en-US"/>
               <a:t>第三级</a:t>
             </a:r>
-            <a:endParaRPr lang="zh-CN" altLang="en-US"/>
           </a:p>
           <a:p>
             <a:pPr lvl="3"/>
@@ -7068,7 +7006,6 @@
               <a:rPr lang="zh-CN" altLang="en-US"/>
               <a:t>第四级</a:t>
             </a:r>
-            <a:endParaRPr lang="zh-CN" altLang="en-US"/>
           </a:p>
           <a:p>
             <a:pPr lvl="4"/>
@@ -7076,7 +7013,6 @@
               <a:rPr lang="zh-CN" altLang="en-US"/>
               <a:t>第五级</a:t>
             </a:r>
-            <a:endParaRPr lang="zh-CN" altLang="en-US"/>
           </a:p>
         </p:txBody>
       </p:sp>
@@ -7103,6 +7039,7 @@
                   </a:prstClr>
                 </a:solidFill>
               </a:rPr>
+              <a:t>2024/6/18</a:t>
             </a:fld>
             <a:endParaRPr lang="zh-CN" altLang="en-US">
               <a:solidFill>
@@ -7162,6 +7099,7 @@
                   </a:prstClr>
                 </a:solidFill>
               </a:rPr>
+              <a:t>‹#›</a:t>
             </a:fld>
             <a:endParaRPr lang="zh-CN" altLang="en-US">
               <a:solidFill>
@@ -7242,7 +7180,6 @@
               <a:rPr lang="zh-CN" altLang="en-US"/>
               <a:t>单击此处编辑母版标题样式</a:t>
             </a:r>
-            <a:endParaRPr lang="zh-CN" altLang="en-US"/>
           </a:p>
         </p:txBody>
       </p:sp>
@@ -7269,6 +7206,7 @@
                   </a:prstClr>
                 </a:solidFill>
               </a:rPr>
+              <a:t>2024/6/18</a:t>
             </a:fld>
             <a:endParaRPr lang="zh-CN" altLang="en-US">
               <a:solidFill>
@@ -7328,6 +7266,7 @@
                   </a:prstClr>
                 </a:solidFill>
               </a:rPr>
+              <a:t>‹#›</a:t>
             </a:fld>
             <a:endParaRPr lang="zh-CN" altLang="en-US">
               <a:solidFill>
@@ -7387,6 +7326,7 @@
                   </a:prstClr>
                 </a:solidFill>
               </a:rPr>
+              <a:t>2024/6/18</a:t>
             </a:fld>
             <a:endParaRPr lang="zh-CN" altLang="en-US">
               <a:solidFill>
@@ -7446,6 +7386,7 @@
                   </a:prstClr>
                 </a:solidFill>
               </a:rPr>
+              <a:t>‹#›</a:t>
             </a:fld>
             <a:endParaRPr lang="zh-CN" altLang="en-US">
               <a:solidFill>
@@ -7510,7 +7451,6 @@
               <a:rPr lang="zh-CN" altLang="en-US"/>
               <a:t>单击此处编辑母版标题样式</a:t>
             </a:r>
-            <a:endParaRPr lang="zh-CN" altLang="en-US"/>
           </a:p>
         </p:txBody>
       </p:sp>
@@ -7567,7 +7507,6 @@
               <a:rPr lang="zh-CN" altLang="en-US"/>
               <a:t>单击此处编辑母版文本样式</a:t>
             </a:r>
-            <a:endParaRPr lang="zh-CN" altLang="en-US"/>
           </a:p>
           <a:p>
             <a:pPr lvl="1"/>
@@ -7575,7 +7514,6 @@
               <a:rPr lang="zh-CN" altLang="en-US"/>
               <a:t>第二级</a:t>
             </a:r>
-            <a:endParaRPr lang="zh-CN" altLang="en-US"/>
           </a:p>
           <a:p>
             <a:pPr lvl="2"/>
@@ -7583,7 +7521,6 @@
               <a:rPr lang="zh-CN" altLang="en-US"/>
               <a:t>第三级</a:t>
             </a:r>
-            <a:endParaRPr lang="zh-CN" altLang="en-US"/>
           </a:p>
           <a:p>
             <a:pPr lvl="3"/>
@@ -7591,7 +7528,6 @@
               <a:rPr lang="zh-CN" altLang="en-US"/>
               <a:t>第四级</a:t>
             </a:r>
-            <a:endParaRPr lang="zh-CN" altLang="en-US"/>
           </a:p>
           <a:p>
             <a:pPr lvl="4"/>
@@ -7599,7 +7535,6 @@
               <a:rPr lang="zh-CN" altLang="en-US"/>
               <a:t>第五级</a:t>
             </a:r>
-            <a:endParaRPr lang="zh-CN" altLang="en-US"/>
           </a:p>
         </p:txBody>
       </p:sp>
@@ -7665,7 +7600,6 @@
               <a:rPr lang="zh-CN" altLang="en-US"/>
               <a:t>单击此处编辑母版文本样式</a:t>
             </a:r>
-            <a:endParaRPr lang="zh-CN" altLang="en-US"/>
           </a:p>
         </p:txBody>
       </p:sp>
@@ -7692,6 +7626,7 @@
                   </a:prstClr>
                 </a:solidFill>
               </a:rPr>
+              <a:t>2024/6/18</a:t>
             </a:fld>
             <a:endParaRPr lang="zh-CN" altLang="en-US">
               <a:solidFill>
@@ -7751,6 +7686,7 @@
                   </a:prstClr>
                 </a:solidFill>
               </a:rPr>
+              <a:t>‹#›</a:t>
             </a:fld>
             <a:endParaRPr lang="zh-CN" altLang="en-US">
               <a:solidFill>
@@ -7815,7 +7751,6 @@
               <a:rPr lang="zh-CN" altLang="en-US"/>
               <a:t>单击此处编辑母版标题样式</a:t>
             </a:r>
-            <a:endParaRPr lang="zh-CN" altLang="en-US"/>
           </a:p>
         </p:txBody>
       </p:sp>
@@ -7942,7 +7877,6 @@
               <a:rPr lang="zh-CN" altLang="en-US"/>
               <a:t>单击此处编辑母版文本样式</a:t>
             </a:r>
-            <a:endParaRPr lang="zh-CN" altLang="en-US"/>
           </a:p>
         </p:txBody>
       </p:sp>
@@ -7969,6 +7903,7 @@
                   </a:prstClr>
                 </a:solidFill>
               </a:rPr>
+              <a:t>2024/6/18</a:t>
             </a:fld>
             <a:endParaRPr lang="zh-CN" altLang="en-US">
               <a:solidFill>
@@ -8028,6 +7963,7 @@
                   </a:prstClr>
                 </a:solidFill>
               </a:rPr>
+              <a:t>‹#›</a:t>
             </a:fld>
             <a:endParaRPr lang="zh-CN" altLang="en-US">
               <a:solidFill>
@@ -8098,7 +8034,6 @@
               <a:rPr lang="zh-CN" altLang="en-US"/>
               <a:t>单击此处编辑母版标题样式</a:t>
             </a:r>
-            <a:endParaRPr lang="zh-CN" altLang="en-US"/>
           </a:p>
         </p:txBody>
       </p:sp>
@@ -8132,7 +8067,6 @@
               <a:rPr lang="zh-CN" altLang="en-US"/>
               <a:t>单击此处编辑母版文本样式</a:t>
             </a:r>
-            <a:endParaRPr lang="zh-CN" altLang="en-US"/>
           </a:p>
           <a:p>
             <a:pPr lvl="1"/>
@@ -8140,7 +8074,6 @@
               <a:rPr lang="zh-CN" altLang="en-US"/>
               <a:t>第二级</a:t>
             </a:r>
-            <a:endParaRPr lang="zh-CN" altLang="en-US"/>
           </a:p>
           <a:p>
             <a:pPr lvl="2"/>
@@ -8148,7 +8081,6 @@
               <a:rPr lang="zh-CN" altLang="en-US"/>
               <a:t>第三级</a:t>
             </a:r>
-            <a:endParaRPr lang="zh-CN" altLang="en-US"/>
           </a:p>
           <a:p>
             <a:pPr lvl="3"/>
@@ -8156,7 +8088,6 @@
               <a:rPr lang="zh-CN" altLang="en-US"/>
               <a:t>第四级</a:t>
             </a:r>
-            <a:endParaRPr lang="zh-CN" altLang="en-US"/>
           </a:p>
           <a:p>
             <a:pPr lvl="4"/>
@@ -8164,7 +8095,6 @@
               <a:rPr lang="zh-CN" altLang="en-US"/>
               <a:t>第五级</a:t>
             </a:r>
-            <a:endParaRPr lang="zh-CN" altLang="en-US"/>
           </a:p>
         </p:txBody>
       </p:sp>
@@ -8209,6 +8139,7 @@
                   </a:prstClr>
                 </a:solidFill>
               </a:rPr>
+              <a:t>2024/6/18</a:t>
             </a:fld>
             <a:endParaRPr lang="zh-CN" altLang="en-US">
               <a:solidFill>
@@ -8304,6 +8235,7 @@
                   </a:prstClr>
                 </a:solidFill>
               </a:rPr>
+              <a:t>‹#›</a:t>
             </a:fld>
             <a:endParaRPr lang="zh-CN" altLang="en-US">
               <a:solidFill>
@@ -9239,7 +9171,7 @@
           <p:nvPr/>
         </p:nvPicPr>
         <p:blipFill rotWithShape="1">
-          <a:blip r:embed="rId1" cstate="print">
+          <a:blip r:embed="rId3" cstate="print">
             <a:extLst>
               <a:ext uri="{28A0092B-C50C-407E-A947-70E740481C1C}">
                 <a14:useLocalDpi xmlns:a14="http://schemas.microsoft.com/office/drawing/2010/main" val="0"/>
@@ -9301,13 +9233,6 @@
               </a:rPr>
               <a:t>技术分享</a:t>
             </a:r>
-            <a:endParaRPr lang="zh-CN" altLang="en-US" sz="4800" b="1" dirty="0">
-              <a:solidFill>
-                <a:srgbClr val="595959">
-                  <a:lumMod val="50000"/>
-                </a:srgbClr>
-              </a:solidFill>
-            </a:endParaRPr>
           </a:p>
         </p:txBody>
       </p:sp>
@@ -9319,8 +9244,8 @@
         </p:nvSpPr>
         <p:spPr>
           <a:xfrm>
-            <a:off x="5394166" y="3678887"/>
-            <a:ext cx="1402080" cy="583565"/>
+            <a:off x="5387320" y="3678887"/>
+            <a:ext cx="1415772" cy="584775"/>
           </a:xfrm>
           <a:prstGeom prst="rect">
             <a:avLst/>
@@ -9342,14 +9267,14 @@
               <a:defRPr/>
             </a:pPr>
             <a:r>
-              <a:rPr lang="zh-CN" altLang="en-US" sz="1600" b="1" dirty="0">
+              <a:rPr lang="zh-CN" altLang="en-US" sz="1600" b="1">
                 <a:solidFill>
                   <a:srgbClr val="595959">
                     <a:lumMod val="50000"/>
                   </a:srgbClr>
                 </a:solidFill>
               </a:rPr>
-              <a:t>徐鑫磊</a:t>
+              <a:t>汪明瑞</a:t>
             </a:r>
             <a:endParaRPr lang="en-US" altLang="zh-CN" sz="1600" b="1" dirty="0">
               <a:solidFill>
@@ -9371,25 +9296,8 @@
                   </a:srgbClr>
                 </a:solidFill>
               </a:rPr>
-              <a:t>导师：</a:t>
+              <a:t>导师：沙乐天</a:t>
             </a:r>
-            <a:r>
-              <a:rPr lang="zh-CN" altLang="en-US" sz="1600" b="1" dirty="0">
-                <a:solidFill>
-                  <a:srgbClr val="595959">
-                    <a:lumMod val="50000"/>
-                  </a:srgbClr>
-                </a:solidFill>
-              </a:rPr>
-              <a:t>沙乐天</a:t>
-            </a:r>
-            <a:endParaRPr lang="zh-CN" altLang="en-US" sz="1600" b="1" dirty="0">
-              <a:solidFill>
-                <a:srgbClr val="595959">
-                  <a:lumMod val="50000"/>
-                </a:srgbClr>
-              </a:solidFill>
-            </a:endParaRPr>
           </a:p>
         </p:txBody>
       </p:sp>
@@ -9427,7 +9335,7 @@
           <p:nvPr/>
         </p:nvPicPr>
         <p:blipFill>
-          <a:blip r:embed="rId1" cstate="print">
+          <a:blip r:embed="rId3" cstate="print">
             <a:extLst>
               <a:ext uri="{28A0092B-C50C-407E-A947-70E740481C1C}">
                 <a14:useLocalDpi xmlns:a14="http://schemas.microsoft.com/office/drawing/2010/main" val="0"/>
@@ -9457,7 +9365,7 @@
           <p:nvPr/>
         </p:nvPicPr>
         <p:blipFill rotWithShape="1">
-          <a:blip r:embed="rId2"/>
+          <a:blip r:embed="rId4"/>
           <a:srcRect l="24493"/>
           <a:stretch>
             <a:fillRect/>
@@ -9510,12 +9418,6 @@
               </a:rPr>
               <a:t>漏洞利用演示</a:t>
             </a:r>
-            <a:endParaRPr lang="zh-CN" altLang="en-US" sz="3200" b="1" dirty="0">
-              <a:solidFill>
-                <a:srgbClr val="595959"/>
-              </a:solidFill>
-              <a:latin typeface="微软雅黑" panose="020B0503020204020204" pitchFamily="34" charset="-122"/>
-            </a:endParaRPr>
           </a:p>
         </p:txBody>
       </p:sp>
@@ -9635,14 +9537,6 @@
                 </a:rPr>
                 <a:t>hash</a:t>
               </a:r>
-              <a:endParaRPr lang="en-US" altLang="zh-CN" sz="2000" dirty="0">
-                <a:solidFill>
-                  <a:prstClr val="black">
-                    <a:lumMod val="65000"/>
-                    <a:lumOff val="35000"/>
-                  </a:prstClr>
-                </a:solidFill>
-              </a:endParaRPr>
             </a:p>
             <a:p>
               <a:pPr defTabSz="914400">
@@ -9686,7 +9580,7 @@
           <p:nvPr/>
         </p:nvPicPr>
         <p:blipFill>
-          <a:blip r:embed="rId3">
+          <a:blip r:embed="rId5">
             <a:extLst>
               <a:ext uri="{28A0092B-C50C-407E-A947-70E740481C1C}">
                 <a14:useLocalDpi xmlns:a14="http://schemas.microsoft.com/office/drawing/2010/main" val="0"/>
@@ -9709,7 +9603,7 @@
       </p:pic>
       <mc:AlternateContent xmlns:mc="http://schemas.openxmlformats.org/markup-compatibility/2006" xmlns:p14="http://schemas.microsoft.com/office/powerpoint/2010/main">
         <mc:Choice Requires="p14">
-          <p:contentPart r:id="rId4" p14:bwMode="auto">
+          <p:contentPart p14:bwMode="auto" r:id="rId6">
             <p14:nvContentPartPr>
               <p14:cNvPr id="7" name="Ink 6"/>
               <p14:cNvContentPartPr/>
@@ -9727,7 +9621,7 @@
               <p:cNvPr id="7" name="Ink 6"/>
             </p:nvPicPr>
             <p:blipFill>
-              <a:blip r:embed="rId5"/>
+              <a:blip r:embed="rId7"/>
             </p:blipFill>
             <p:spPr>
               <a:xfrm>
@@ -9755,7 +9649,7 @@
         </p:grpSpPr>
         <mc:AlternateContent xmlns:mc="http://schemas.openxmlformats.org/markup-compatibility/2006" xmlns:p14="http://schemas.microsoft.com/office/powerpoint/2010/main">
           <mc:Choice Requires="p14">
-            <p:contentPart r:id="rId6" p14:bwMode="auto">
+            <p:contentPart p14:bwMode="auto" r:id="rId8">
               <p14:nvContentPartPr>
                 <p14:cNvPr id="8" name="Ink 7"/>
                 <p14:cNvContentPartPr/>
@@ -9773,7 +9667,7 @@
                 <p:cNvPr id="8" name="Ink 7"/>
               </p:nvPicPr>
               <p:blipFill>
-                <a:blip r:embed="rId7"/>
+                <a:blip r:embed="rId9"/>
               </p:blipFill>
               <p:spPr>
                 <a:xfrm>
@@ -9787,7 +9681,7 @@
         </mc:AlternateContent>
         <mc:AlternateContent xmlns:mc="http://schemas.openxmlformats.org/markup-compatibility/2006" xmlns:p14="http://schemas.microsoft.com/office/powerpoint/2010/main">
           <mc:Choice Requires="p14">
-            <p:contentPart r:id="rId8" p14:bwMode="auto">
+            <p:contentPart p14:bwMode="auto" r:id="rId10">
               <p14:nvContentPartPr>
                 <p14:cNvPr id="9" name="Ink 8"/>
                 <p14:cNvContentPartPr/>
@@ -9805,7 +9699,7 @@
                 <p:cNvPr id="9" name="Ink 8"/>
               </p:nvPicPr>
               <p:blipFill>
-                <a:blip r:embed="rId9"/>
+                <a:blip r:embed="rId11"/>
               </p:blipFill>
               <p:spPr>
                 <a:xfrm>
@@ -9819,7 +9713,7 @@
         </mc:AlternateContent>
         <mc:AlternateContent xmlns:mc="http://schemas.openxmlformats.org/markup-compatibility/2006" xmlns:p14="http://schemas.microsoft.com/office/powerpoint/2010/main">
           <mc:Choice Requires="p14">
-            <p:contentPart r:id="rId10" p14:bwMode="auto">
+            <p:contentPart p14:bwMode="auto" r:id="rId12">
               <p14:nvContentPartPr>
                 <p14:cNvPr id="11" name="Ink 10"/>
                 <p14:cNvContentPartPr/>
@@ -9837,7 +9731,7 @@
                 <p:cNvPr id="11" name="Ink 10"/>
               </p:nvPicPr>
               <p:blipFill>
-                <a:blip r:embed="rId11"/>
+                <a:blip r:embed="rId13"/>
               </p:blipFill>
               <p:spPr>
                 <a:xfrm>
@@ -9884,7 +9778,7 @@
           <p:nvPr/>
         </p:nvPicPr>
         <p:blipFill rotWithShape="1">
-          <a:blip r:embed="rId1" cstate="print">
+          <a:blip r:embed="rId3" cstate="print">
             <a:extLst>
               <a:ext uri="{28A0092B-C50C-407E-A947-70E740481C1C}">
                 <a14:useLocalDpi xmlns:a14="http://schemas.microsoft.com/office/drawing/2010/main" val="0"/>
@@ -9946,13 +9840,6 @@
               </a:rPr>
               <a:t>谢谢观看</a:t>
             </a:r>
-            <a:endParaRPr lang="zh-CN" altLang="en-US" sz="4800" b="1" dirty="0">
-              <a:solidFill>
-                <a:srgbClr val="595959">
-                  <a:lumMod val="50000"/>
-                </a:srgbClr>
-              </a:solidFill>
-            </a:endParaRPr>
           </a:p>
         </p:txBody>
       </p:sp>
@@ -9990,7 +9877,7 @@
           <p:nvPr/>
         </p:nvPicPr>
         <p:blipFill rotWithShape="1">
-          <a:blip r:embed="rId1"/>
+          <a:blip r:embed="rId3"/>
           <a:stretch>
             <a:fillRect/>
           </a:stretch>
@@ -10014,7 +9901,7 @@
           <p:nvPr/>
         </p:nvPicPr>
         <p:blipFill rotWithShape="1">
-          <a:blip r:embed="rId1"/>
+          <a:blip r:embed="rId3"/>
           <a:stretch>
             <a:fillRect/>
           </a:stretch>
@@ -10038,7 +9925,7 @@
           <p:nvPr/>
         </p:nvPicPr>
         <p:blipFill rotWithShape="1">
-          <a:blip r:embed="rId1"/>
+          <a:blip r:embed="rId3"/>
           <a:stretch>
             <a:fillRect/>
           </a:stretch>
@@ -10062,7 +9949,7 @@
           <p:nvPr/>
         </p:nvPicPr>
         <p:blipFill rotWithShape="1">
-          <a:blip r:embed="rId1"/>
+          <a:blip r:embed="rId3"/>
           <a:stretch>
             <a:fillRect/>
           </a:stretch>
@@ -10086,7 +9973,7 @@
           <p:nvPr/>
         </p:nvPicPr>
         <p:blipFill>
-          <a:blip r:embed="rId2"/>
+          <a:blip r:embed="rId4"/>
           <a:stretch>
             <a:fillRect/>
           </a:stretch>
@@ -10181,11 +10068,6 @@
               </a:rPr>
               <a:t>域渗透</a:t>
             </a:r>
-            <a:endParaRPr lang="zh-CN" altLang="en-US" sz="3200" b="1" dirty="0">
-              <a:solidFill>
-                <a:srgbClr val="595959"/>
-              </a:solidFill>
-            </a:endParaRPr>
           </a:p>
         </p:txBody>
       </p:sp>
@@ -10223,7 +10105,7 @@
           <p:nvPr/>
         </p:nvPicPr>
         <p:blipFill>
-          <a:blip r:embed="rId1" cstate="print">
+          <a:blip r:embed="rId3" cstate="print">
             <a:extLst>
               <a:ext uri="{28A0092B-C50C-407E-A947-70E740481C1C}">
                 <a14:useLocalDpi xmlns:a14="http://schemas.microsoft.com/office/drawing/2010/main" val="0"/>
@@ -10253,7 +10135,7 @@
           <p:nvPr/>
         </p:nvPicPr>
         <p:blipFill rotWithShape="1">
-          <a:blip r:embed="rId2"/>
+          <a:blip r:embed="rId4"/>
           <a:srcRect l="24493"/>
           <a:stretch>
             <a:fillRect/>
@@ -10306,12 +10188,6 @@
               </a:rPr>
               <a:t>域渗透</a:t>
             </a:r>
-            <a:endParaRPr lang="zh-CN" altLang="en-US" sz="3200" b="1" dirty="0">
-              <a:solidFill>
-                <a:srgbClr val="595959"/>
-              </a:solidFill>
-              <a:latin typeface="微软雅黑" panose="020B0503020204020204" pitchFamily="34" charset="-122"/>
-            </a:endParaRPr>
           </a:p>
         </p:txBody>
       </p:sp>
@@ -10371,14 +10247,6 @@
                 </a:rPr>
                 <a:t>这里说的域是微软为集中管理计算机而推出的一种方式，是一种相对于工作组而言规模更大更复杂的局域网概念，所有的计算机、用户等安全主体都在域控制器上统一注册管理，一般应用于企业管理内部所有计算机。通俗理解就是一群被统一管理有组织上下结构分明的的电脑</a:t>
               </a:r>
-              <a:endParaRPr lang="zh-CN" altLang="en-US" sz="1600" dirty="0">
-                <a:solidFill>
-                  <a:prstClr val="black">
-                    <a:lumMod val="50000"/>
-                    <a:lumOff val="50000"/>
-                  </a:prstClr>
-                </a:solidFill>
-              </a:endParaRPr>
             </a:p>
           </p:txBody>
         </p:sp>
@@ -10424,14 +10292,6 @@
                 </a:rPr>
                 <a:t>什么是域</a:t>
               </a:r>
-              <a:endParaRPr lang="zh-CN" altLang="en-US" sz="2000" b="1" dirty="0">
-                <a:solidFill>
-                  <a:prstClr val="black">
-                    <a:lumMod val="65000"/>
-                    <a:lumOff val="35000"/>
-                  </a:prstClr>
-                </a:solidFill>
-              </a:endParaRPr>
             </a:p>
           </p:txBody>
         </p:sp>
@@ -10445,7 +10305,7 @@
           <p:nvPr/>
         </p:nvPicPr>
         <p:blipFill>
-          <a:blip r:embed="rId3"/>
+          <a:blip r:embed="rId5"/>
           <a:stretch>
             <a:fillRect/>
           </a:stretch>
@@ -10532,7 +10392,7 @@
           <p:nvPr/>
         </p:nvPicPr>
         <p:blipFill>
-          <a:blip r:embed="rId1" cstate="print">
+          <a:blip r:embed="rId3" cstate="print">
             <a:extLst>
               <a:ext uri="{28A0092B-C50C-407E-A947-70E740481C1C}">
                 <a14:useLocalDpi xmlns:a14="http://schemas.microsoft.com/office/drawing/2010/main" val="0"/>
@@ -10562,7 +10422,7 @@
           <p:nvPr/>
         </p:nvPicPr>
         <p:blipFill rotWithShape="1">
-          <a:blip r:embed="rId2"/>
+          <a:blip r:embed="rId4"/>
           <a:srcRect l="24493"/>
           <a:stretch>
             <a:fillRect/>
@@ -10615,12 +10475,6 @@
               </a:rPr>
               <a:t>域渗透</a:t>
             </a:r>
-            <a:endParaRPr lang="zh-CN" altLang="en-US" sz="3200" b="1" dirty="0">
-              <a:solidFill>
-                <a:srgbClr val="595959"/>
-              </a:solidFill>
-              <a:latin typeface="微软雅黑" panose="020B0503020204020204" pitchFamily="34" charset="-122"/>
-            </a:endParaRPr>
           </a:p>
         </p:txBody>
       </p:sp>
@@ -11040,60 +10894,8 @@
                       </a:prstClr>
                     </a:solidFill>
                   </a:rPr>
-                  <a:t>域控制器是负责每一台</a:t>
+                  <a:t>域控制器是负责每一台连入域网络的计算机和用户的验证，其中包含了属于这个域的所有信息构成的数据库</a:t>
                 </a:r>
-                <a:r>
-                  <a:rPr lang="zh-CN" altLang="en-US" sz="1400" dirty="0">
-                    <a:solidFill>
-                      <a:prstClr val="black">
-                        <a:lumMod val="50000"/>
-                        <a:lumOff val="50000"/>
-                      </a:prstClr>
-                    </a:solidFill>
-                  </a:rPr>
-                  <a:t>连入</a:t>
-                </a:r>
-                <a:r>
-                  <a:rPr lang="zh-CN" altLang="en-US" sz="1400" dirty="0">
-                    <a:solidFill>
-                      <a:prstClr val="black">
-                        <a:lumMod val="50000"/>
-                        <a:lumOff val="50000"/>
-                      </a:prstClr>
-                    </a:solidFill>
-                  </a:rPr>
-                  <a:t>域网络的计算机和用户的验证，其中包含了属于</a:t>
-                </a:r>
-                <a:r>
-                  <a:rPr lang="zh-CN" altLang="en-US" sz="1400" dirty="0">
-                    <a:solidFill>
-                      <a:prstClr val="black">
-                        <a:lumMod val="50000"/>
-                        <a:lumOff val="50000"/>
-                      </a:prstClr>
-                    </a:solidFill>
-                  </a:rPr>
-                  <a:t>这个域</a:t>
-                </a:r>
-                <a:r>
-                  <a:rPr lang="zh-CN" altLang="en-US" sz="1400" dirty="0">
-                    <a:solidFill>
-                      <a:prstClr val="black">
-                        <a:lumMod val="50000"/>
-                        <a:lumOff val="50000"/>
-                      </a:prstClr>
-                    </a:solidFill>
-                  </a:rPr>
-                  <a:t>的所有信息构成的数据库</a:t>
-                </a:r>
-                <a:endParaRPr lang="zh-CN" altLang="en-US" sz="1400" dirty="0">
-                  <a:solidFill>
-                    <a:prstClr val="black">
-                      <a:lumMod val="50000"/>
-                      <a:lumOff val="50000"/>
-                    </a:prstClr>
-                  </a:solidFill>
-                </a:endParaRPr>
               </a:p>
             </p:txBody>
           </p:sp>
@@ -11139,14 +10941,6 @@
                   </a:rPr>
                   <a:t>域控制器</a:t>
                 </a:r>
-                <a:endParaRPr lang="zh-CN" altLang="en-US" sz="1800" b="1" dirty="0">
-                  <a:solidFill>
-                    <a:prstClr val="black">
-                      <a:lumMod val="65000"/>
-                      <a:lumOff val="35000"/>
-                    </a:prstClr>
-                  </a:solidFill>
-                </a:endParaRPr>
               </a:p>
             </p:txBody>
           </p:sp>
@@ -11654,38 +11448,8 @@
                       </a:prstClr>
                     </a:solidFill>
                   </a:rPr>
-                  <a:t>域分为</a:t>
+                  <a:t>域分为单域、域树、域林</a:t>
                 </a:r>
-                <a:r>
-                  <a:rPr lang="zh-CN" altLang="en-US" sz="1400" dirty="0">
-                    <a:solidFill>
-                      <a:prstClr val="black">
-                        <a:lumMod val="50000"/>
-                        <a:lumOff val="50000"/>
-                      </a:prstClr>
-                    </a:solidFill>
-                  </a:rPr>
-                  <a:t>单域</a:t>
-                </a:r>
-                <a:r>
-                  <a:rPr lang="zh-CN" altLang="en-US" sz="1400" dirty="0">
-                    <a:solidFill>
-                      <a:prstClr val="black">
-                        <a:lumMod val="50000"/>
-                        <a:lumOff val="50000"/>
-                      </a:prstClr>
-                    </a:solidFill>
-                  </a:rPr>
-                  <a:t>、域树、域林</a:t>
-                </a:r>
-                <a:endParaRPr lang="zh-CN" altLang="en-US" sz="1400" dirty="0">
-                  <a:solidFill>
-                    <a:prstClr val="black">
-                      <a:lumMod val="50000"/>
-                      <a:lumOff val="50000"/>
-                    </a:prstClr>
-                  </a:solidFill>
-                </a:endParaRPr>
               </a:p>
             </p:txBody>
           </p:sp>
@@ -11731,14 +11495,6 @@
                   </a:rPr>
                   <a:t>域的分类</a:t>
                 </a:r>
-                <a:endParaRPr lang="zh-CN" altLang="en-US" sz="1800" b="1" dirty="0">
-                  <a:solidFill>
-                    <a:prstClr val="black">
-                      <a:lumMod val="65000"/>
-                      <a:lumOff val="35000"/>
-                    </a:prstClr>
-                  </a:solidFill>
-                </a:endParaRPr>
               </a:p>
             </p:txBody>
           </p:sp>
@@ -12070,38 +11826,8 @@
                       </a:prstClr>
                     </a:solidFill>
                   </a:rPr>
-                  <a:t>域信任是为了解决</a:t>
+                  <a:t>域信任是为了解决多域情况下跨域资源共享问题，简单来说，两个域之间拥有信任关系才可以进行资源互换</a:t>
                 </a:r>
-                <a:r>
-                  <a:rPr lang="zh-CN" altLang="en-US" sz="1400" dirty="0">
-                    <a:solidFill>
-                      <a:prstClr val="black">
-                        <a:lumMod val="50000"/>
-                        <a:lumOff val="50000"/>
-                      </a:prstClr>
-                    </a:solidFill>
-                  </a:rPr>
-                  <a:t>多域</a:t>
-                </a:r>
-                <a:r>
-                  <a:rPr lang="zh-CN" altLang="en-US" sz="1400" dirty="0">
-                    <a:solidFill>
-                      <a:prstClr val="black">
-                        <a:lumMod val="50000"/>
-                        <a:lumOff val="50000"/>
-                      </a:prstClr>
-                    </a:solidFill>
-                  </a:rPr>
-                  <a:t>情况下跨域资源共享问题，简单来说，两个域之间拥有信任关系才可以进行资源互换</a:t>
-                </a:r>
-                <a:endParaRPr lang="zh-CN" altLang="en-US" sz="1400" dirty="0">
-                  <a:solidFill>
-                    <a:prstClr val="black">
-                      <a:lumMod val="50000"/>
-                      <a:lumOff val="50000"/>
-                    </a:prstClr>
-                  </a:solidFill>
-                </a:endParaRPr>
               </a:p>
             </p:txBody>
           </p:sp>
@@ -12147,14 +11873,6 @@
                   </a:rPr>
                   <a:t>域信任关系</a:t>
                 </a:r>
-                <a:endParaRPr lang="zh-CN" altLang="en-US" sz="1800" b="1" dirty="0">
-                  <a:solidFill>
-                    <a:prstClr val="black">
-                      <a:lumMod val="65000"/>
-                      <a:lumOff val="35000"/>
-                    </a:prstClr>
-                  </a:solidFill>
-                </a:endParaRPr>
               </a:p>
             </p:txBody>
           </p:sp>
@@ -12169,7 +11887,7 @@
           <p:nvPr/>
         </p:nvPicPr>
         <p:blipFill>
-          <a:blip r:embed="rId3"/>
+          <a:blip r:embed="rId5"/>
           <a:stretch>
             <a:fillRect/>
           </a:stretch>
@@ -15743,12 +15461,6 @@
                 </a:rPr>
                 <a:t>1</a:t>
               </a:r>
-              <a:endParaRPr lang="en-US" sz="1800" dirty="0">
-                <a:solidFill>
-                  <a:srgbClr val="595959"/>
-                </a:solidFill>
-                <a:latin typeface="Impact" panose="020B0806030902050204" pitchFamily="34" charset="0"/>
-              </a:endParaRPr>
             </a:p>
           </p:txBody>
         </p:sp>
@@ -16097,7 +15809,7 @@
           <p:nvPr/>
         </p:nvPicPr>
         <p:blipFill>
-          <a:blip r:embed="rId1" cstate="print">
+          <a:blip r:embed="rId4" cstate="print">
             <a:extLst>
               <a:ext uri="{28A0092B-C50C-407E-A947-70E740481C1C}">
                 <a14:useLocalDpi xmlns:a14="http://schemas.microsoft.com/office/drawing/2010/main" val="0"/>
@@ -16127,7 +15839,7 @@
           <p:nvPr/>
         </p:nvPicPr>
         <p:blipFill rotWithShape="1">
-          <a:blip r:embed="rId2"/>
+          <a:blip r:embed="rId5"/>
           <a:srcRect l="24493"/>
           <a:stretch>
             <a:fillRect/>
@@ -16180,12 +15892,6 @@
               </a:rPr>
               <a:t>域渗透</a:t>
             </a:r>
-            <a:endParaRPr lang="zh-CN" altLang="en-US" sz="3200" b="1" dirty="0">
-              <a:solidFill>
-                <a:srgbClr val="595959"/>
-              </a:solidFill>
-              <a:latin typeface="微软雅黑" panose="020B0503020204020204" pitchFamily="34" charset="-122"/>
-            </a:endParaRPr>
           </a:p>
         </p:txBody>
       </p:sp>
@@ -16267,14 +15973,6 @@
                 </a:rPr>
                 <a:t>服务中所蕴含的漏洞拿下一台域内主机</a:t>
               </a:r>
-              <a:endParaRPr lang="zh-CN" altLang="en-US" sz="1400" dirty="0">
-                <a:solidFill>
-                  <a:prstClr val="black">
-                    <a:lumMod val="50000"/>
-                    <a:lumOff val="50000"/>
-                  </a:prstClr>
-                </a:solidFill>
-              </a:endParaRPr>
             </a:p>
           </p:txBody>
         </p:sp>
@@ -16331,14 +16029,6 @@
                 </a:rPr>
                 <a:t>渗透</a:t>
               </a:r>
-              <a:endParaRPr lang="zh-CN" altLang="en-US" sz="1800" b="1" dirty="0">
-                <a:solidFill>
-                  <a:prstClr val="black">
-                    <a:lumMod val="65000"/>
-                    <a:lumOff val="35000"/>
-                  </a:prstClr>
-                </a:solidFill>
-              </a:endParaRPr>
             </a:p>
           </p:txBody>
         </p:sp>
@@ -16399,14 +16089,6 @@
                 </a:rPr>
                 <a:t>利用收集到的信息，配合攻击手段进而获得域中更高权限用户的权限</a:t>
               </a:r>
-              <a:endParaRPr lang="zh-CN" altLang="en-US" sz="1400" dirty="0">
-                <a:solidFill>
-                  <a:prstClr val="black">
-                    <a:lumMod val="50000"/>
-                    <a:lumOff val="50000"/>
-                  </a:prstClr>
-                </a:solidFill>
-              </a:endParaRPr>
             </a:p>
           </p:txBody>
         </p:sp>
@@ -16452,14 +16134,6 @@
                 </a:rPr>
                 <a:t>权限提升</a:t>
               </a:r>
-              <a:endParaRPr lang="zh-CN" altLang="en-US" sz="1800" b="1" dirty="0">
-                <a:solidFill>
-                  <a:prstClr val="black">
-                    <a:lumMod val="65000"/>
-                    <a:lumOff val="35000"/>
-                  </a:prstClr>
-                </a:solidFill>
-              </a:endParaRPr>
             </a:p>
           </p:txBody>
         </p:sp>
@@ -16520,14 +16194,6 @@
                 </a:rPr>
                 <a:t>拿到高权限账户后针对其的利用</a:t>
               </a:r>
-              <a:endParaRPr lang="zh-CN" altLang="en-US" sz="1400" dirty="0">
-                <a:solidFill>
-                  <a:prstClr val="black">
-                    <a:lumMod val="50000"/>
-                    <a:lumOff val="50000"/>
-                  </a:prstClr>
-                </a:solidFill>
-              </a:endParaRPr>
             </a:p>
           </p:txBody>
         </p:sp>
@@ -16573,14 +16239,6 @@
                 </a:rPr>
                 <a:t>权限维持</a:t>
               </a:r>
-              <a:endParaRPr lang="zh-CN" altLang="en-US" sz="1800" b="1" dirty="0">
-                <a:solidFill>
-                  <a:prstClr val="black">
-                    <a:lumMod val="65000"/>
-                    <a:lumOff val="35000"/>
-                  </a:prstClr>
-                </a:solidFill>
-              </a:endParaRPr>
             </a:p>
           </p:txBody>
         </p:sp>
@@ -16641,14 +16299,6 @@
                 </a:rPr>
                 <a:t>清除攻击痕迹</a:t>
               </a:r>
-              <a:endParaRPr lang="zh-CN" altLang="en-US" sz="1400" dirty="0">
-                <a:solidFill>
-                  <a:prstClr val="black">
-                    <a:lumMod val="50000"/>
-                    <a:lumOff val="50000"/>
-                  </a:prstClr>
-                </a:solidFill>
-              </a:endParaRPr>
             </a:p>
           </p:txBody>
         </p:sp>
@@ -16694,14 +16344,6 @@
                 </a:rPr>
                 <a:t>痕迹清理</a:t>
               </a:r>
-              <a:endParaRPr lang="zh-CN" altLang="en-US" sz="1800" b="1" dirty="0">
-                <a:solidFill>
-                  <a:prstClr val="black">
-                    <a:lumMod val="65000"/>
-                    <a:lumOff val="35000"/>
-                  </a:prstClr>
-                </a:solidFill>
-              </a:endParaRPr>
             </a:p>
           </p:txBody>
         </p:sp>
@@ -16762,14 +16404,6 @@
                 </a:rPr>
                 <a:t>通过信息收集获取的信息，执行针对域中其他主机的攻击，从而拿下域中另外一台主机</a:t>
               </a:r>
-              <a:endParaRPr lang="zh-CN" altLang="en-US" sz="1400" dirty="0">
-                <a:solidFill>
-                  <a:prstClr val="black">
-                    <a:lumMod val="50000"/>
-                    <a:lumOff val="50000"/>
-                  </a:prstClr>
-                </a:solidFill>
-              </a:endParaRPr>
             </a:p>
           </p:txBody>
         </p:sp>
@@ -16815,14 +16449,6 @@
                 </a:rPr>
                 <a:t>横向移动</a:t>
               </a:r>
-              <a:endParaRPr lang="zh-CN" altLang="en-US" sz="1800" b="1" dirty="0">
-                <a:solidFill>
-                  <a:prstClr val="black">
-                    <a:lumMod val="65000"/>
-                    <a:lumOff val="35000"/>
-                  </a:prstClr>
-                </a:solidFill>
-              </a:endParaRPr>
             </a:p>
           </p:txBody>
         </p:sp>
@@ -16905,14 +16531,6 @@
                 </a:rPr>
                 <a:t>拿下的第一台主机，进行域内的信息收集。其实信息收集是贯穿整个渗透流程的，你能做什么都取决于信息收集你拿到了什么信息</a:t>
               </a:r>
-              <a:endParaRPr lang="zh-CN" altLang="en-US" sz="1400" dirty="0">
-                <a:solidFill>
-                  <a:prstClr val="black">
-                    <a:lumMod val="50000"/>
-                    <a:lumOff val="50000"/>
-                  </a:prstClr>
-                </a:solidFill>
-              </a:endParaRPr>
             </a:p>
           </p:txBody>
         </p:sp>
@@ -16958,14 +16576,6 @@
                 </a:rPr>
                 <a:t>信息收集</a:t>
               </a:r>
-              <a:endParaRPr lang="zh-CN" altLang="en-US" sz="1800" b="1" dirty="0">
-                <a:solidFill>
-                  <a:prstClr val="black">
-                    <a:lumMod val="65000"/>
-                    <a:lumOff val="35000"/>
-                  </a:prstClr>
-                </a:solidFill>
-              </a:endParaRPr>
             </a:p>
           </p:txBody>
         </p:sp>
@@ -17017,18 +16627,7 @@
                   </a:prstClr>
                 </a:solidFill>
               </a:rPr>
-              <a:t>，对一个域环境进行攻击测试，最终目标就是拿到域中的域控制器，分为</a:t>
-            </a:r>
-            <a:r>
-              <a:rPr lang="zh-CN" altLang="en-US" sz="2000" dirty="0">
-                <a:solidFill>
-                  <a:prstClr val="black">
-                    <a:lumMod val="65000"/>
-                    <a:lumOff val="35000"/>
-                  </a:prstClr>
-                </a:solidFill>
-              </a:rPr>
-              <a:t>右边这些步骤，但这并不是一个一成不变的流程，需要在渗透过程中根据情况变通</a:t>
+              <a:t>，对一个域环境进行攻击测试，最终目标就是拿到域中的域控制器，分为右边这些步骤，但这并不是一个一成不变的流程，需要在渗透过程中根据情况变通</a:t>
             </a:r>
             <a:endParaRPr lang="en-US" sz="2000" dirty="0">
               <a:solidFill>
@@ -17067,7 +16666,6 @@
               <a:rPr lang="en-US" dirty="0"/>
               <a:t>域渗透</a:t>
             </a:r>
-            <a:endParaRPr lang="en-US" dirty="0"/>
           </a:p>
         </p:txBody>
       </p:sp>
@@ -17105,7 +16703,7 @@
           <p:nvPr/>
         </p:nvPicPr>
         <p:blipFill rotWithShape="1">
-          <a:blip r:embed="rId1"/>
+          <a:blip r:embed="rId3"/>
           <a:stretch>
             <a:fillRect/>
           </a:stretch>
@@ -17129,7 +16727,7 @@
           <p:nvPr/>
         </p:nvPicPr>
         <p:blipFill rotWithShape="1">
-          <a:blip r:embed="rId1"/>
+          <a:blip r:embed="rId3"/>
           <a:stretch>
             <a:fillRect/>
           </a:stretch>
@@ -17153,7 +16751,7 @@
           <p:nvPr/>
         </p:nvPicPr>
         <p:blipFill rotWithShape="1">
-          <a:blip r:embed="rId1"/>
+          <a:blip r:embed="rId3"/>
           <a:stretch>
             <a:fillRect/>
           </a:stretch>
@@ -17177,7 +16775,7 @@
           <p:nvPr/>
         </p:nvPicPr>
         <p:blipFill rotWithShape="1">
-          <a:blip r:embed="rId1"/>
+          <a:blip r:embed="rId3"/>
           <a:stretch>
             <a:fillRect/>
           </a:stretch>
@@ -17201,7 +16799,7 @@
           <p:nvPr/>
         </p:nvPicPr>
         <p:blipFill>
-          <a:blip r:embed="rId2"/>
+          <a:blip r:embed="rId4"/>
           <a:stretch>
             <a:fillRect/>
           </a:stretch>
@@ -17300,11 +16898,6 @@
               </a:rPr>
               <a:t>漏洞利用演示</a:t>
             </a:r>
-            <a:endParaRPr lang="zh-CN" altLang="en-US" sz="3200" b="1" dirty="0">
-              <a:solidFill>
-                <a:srgbClr val="595959"/>
-              </a:solidFill>
-            </a:endParaRPr>
           </a:p>
         </p:txBody>
       </p:sp>
@@ -17342,7 +16935,7 @@
           <p:nvPr/>
         </p:nvPicPr>
         <p:blipFill>
-          <a:blip r:embed="rId1" cstate="print">
+          <a:blip r:embed="rId3" cstate="print">
             <a:extLst>
               <a:ext uri="{28A0092B-C50C-407E-A947-70E740481C1C}">
                 <a14:useLocalDpi xmlns:a14="http://schemas.microsoft.com/office/drawing/2010/main" val="0"/>
@@ -17372,7 +16965,7 @@
           <p:nvPr/>
         </p:nvPicPr>
         <p:blipFill rotWithShape="1">
-          <a:blip r:embed="rId2"/>
+          <a:blip r:embed="rId4"/>
           <a:srcRect l="24493"/>
           <a:stretch>
             <a:fillRect/>
@@ -17425,12 +17018,6 @@
               </a:rPr>
               <a:t>漏洞利用演示</a:t>
             </a:r>
-            <a:endParaRPr lang="zh-CN" altLang="en-US" sz="3200" b="1" dirty="0">
-              <a:solidFill>
-                <a:srgbClr val="595959"/>
-              </a:solidFill>
-              <a:latin typeface="微软雅黑" panose="020B0503020204020204" pitchFamily="34" charset="-122"/>
-            </a:endParaRPr>
           </a:p>
         </p:txBody>
       </p:sp>
@@ -17578,18 +17165,7 @@
                     </a:prstClr>
                   </a:solidFill>
                 </a:rPr>
-                <a:t>原理就是让攻击者自身的电脑去找域控做身份认证，去拿</a:t>
-              </a:r>
-              <a:r>
-                <a:rPr lang="zh-CN" altLang="en-US" sz="2000" dirty="0">
-                  <a:solidFill>
-                    <a:prstClr val="black">
-                      <a:lumMod val="65000"/>
-                      <a:lumOff val="35000"/>
-                    </a:prstClr>
-                  </a:solidFill>
-                </a:rPr>
-                <a:t>自身的身份证（</a:t>
+                <a:t>原理就是让攻击者自身的电脑去找域控做身份认证，去拿自身的身份证（</a:t>
               </a:r>
               <a:r>
                 <a:rPr lang="en-US" altLang="zh-CN" sz="2000" dirty="0">
@@ -17633,18 +17209,7 @@
                     </a:prstClr>
                   </a:solidFill>
                 </a:rPr>
-                <a:t>），将其改为域控制器电脑的名字，此时域控制器通过这个值，觉得我要的是域控制器电脑的身份证，因此直接返回给我域控制器电脑的身份证，有了这个身份证，就可以冒充域控制器的计算机去做</a:t>
-              </a:r>
-              <a:r>
-                <a:rPr lang="zh-CN" altLang="en-US" sz="2000" dirty="0">
-                  <a:solidFill>
-                    <a:prstClr val="black">
-                      <a:lumMod val="65000"/>
-                      <a:lumOff val="35000"/>
-                    </a:prstClr>
-                  </a:solidFill>
-                </a:rPr>
-                <a:t>本来没有权限去做的事情。</a:t>
+                <a:t>），将其改为域控制器电脑的名字，此时域控制器通过这个值，觉得我要的是域控制器电脑的身份证，因此直接返回给我域控制器电脑的身份证，有了这个身份证，就可以冒充域控制器的计算机去做本来没有权限去做的事情。</a:t>
               </a:r>
               <a:endParaRPr lang="en-US" altLang="zh-CN" sz="2000" dirty="0">
                 <a:solidFill>
@@ -17712,7 +17277,7 @@
           <p:nvPr/>
         </p:nvPicPr>
         <p:blipFill>
-          <a:blip r:embed="rId3">
+          <a:blip r:embed="rId5" cstate="print">
             <a:extLst>
               <a:ext uri="{28A0092B-C50C-407E-A947-70E740481C1C}">
                 <a14:useLocalDpi xmlns:a14="http://schemas.microsoft.com/office/drawing/2010/main" val="0"/>
@@ -17767,7 +17332,7 @@
           <p:nvPr/>
         </p:nvPicPr>
         <p:blipFill>
-          <a:blip r:embed="rId1" cstate="print">
+          <a:blip r:embed="rId3" cstate="print">
             <a:extLst>
               <a:ext uri="{28A0092B-C50C-407E-A947-70E740481C1C}">
                 <a14:useLocalDpi xmlns:a14="http://schemas.microsoft.com/office/drawing/2010/main" val="0"/>
@@ -17797,7 +17362,7 @@
           <p:nvPr/>
         </p:nvPicPr>
         <p:blipFill rotWithShape="1">
-          <a:blip r:embed="rId2"/>
+          <a:blip r:embed="rId4"/>
           <a:srcRect l="24493"/>
           <a:stretch>
             <a:fillRect/>
@@ -17850,12 +17415,6 @@
               </a:rPr>
               <a:t>漏洞利用演示</a:t>
             </a:r>
-            <a:endParaRPr lang="zh-CN" altLang="en-US" sz="3200" b="1" dirty="0">
-              <a:solidFill>
-                <a:srgbClr val="595959"/>
-              </a:solidFill>
-              <a:latin typeface="微软雅黑" panose="020B0503020204020204" pitchFamily="34" charset="-122"/>
-            </a:endParaRPr>
           </a:p>
         </p:txBody>
       </p:sp>
@@ -17975,14 +17534,6 @@
                 </a:rPr>
                 <a:t>hash</a:t>
               </a:r>
-              <a:endParaRPr lang="en-US" altLang="zh-CN" sz="2000" dirty="0">
-                <a:solidFill>
-                  <a:prstClr val="black">
-                    <a:lumMod val="65000"/>
-                    <a:lumOff val="35000"/>
-                  </a:prstClr>
-                </a:solidFill>
-              </a:endParaRPr>
             </a:p>
             <a:p>
               <a:pPr defTabSz="914400">
@@ -18026,7 +17577,7 @@
           <p:nvPr/>
         </p:nvPicPr>
         <p:blipFill>
-          <a:blip r:embed="rId3">
+          <a:blip r:embed="rId5">
             <a:extLst>
               <a:ext uri="{28A0092B-C50C-407E-A947-70E740481C1C}">
                 <a14:useLocalDpi xmlns:a14="http://schemas.microsoft.com/office/drawing/2010/main" val="0"/>
@@ -18063,7 +17614,7 @@
         </p:grpSpPr>
         <mc:AlternateContent xmlns:mc="http://schemas.openxmlformats.org/markup-compatibility/2006" xmlns:p14="http://schemas.microsoft.com/office/powerpoint/2010/main">
           <mc:Choice Requires="p14">
-            <p:contentPart r:id="rId4" p14:bwMode="auto">
+            <p:contentPart p14:bwMode="auto" r:id="rId6">
               <p14:nvContentPartPr>
                 <p14:cNvPr id="10" name="Ink 9"/>
                 <p14:cNvContentPartPr/>
@@ -18081,7 +17632,7 @@
                 <p:cNvPr id="10" name="Ink 9"/>
               </p:nvPicPr>
               <p:blipFill>
-                <a:blip r:embed="rId5"/>
+                <a:blip r:embed="rId7"/>
               </p:blipFill>
               <p:spPr>
                 <a:xfrm>
@@ -18095,7 +17646,7 @@
         </mc:AlternateContent>
         <mc:AlternateContent xmlns:mc="http://schemas.openxmlformats.org/markup-compatibility/2006" xmlns:p14="http://schemas.microsoft.com/office/powerpoint/2010/main">
           <mc:Choice Requires="p14">
-            <p:contentPart r:id="rId6" p14:bwMode="auto">
+            <p:contentPart p14:bwMode="auto" r:id="rId8">
               <p14:nvContentPartPr>
                 <p14:cNvPr id="11" name="Ink 10"/>
                 <p14:cNvContentPartPr/>
@@ -18113,7 +17664,7 @@
                 <p:cNvPr id="11" name="Ink 10"/>
               </p:nvPicPr>
               <p:blipFill>
-                <a:blip r:embed="rId7"/>
+                <a:blip r:embed="rId9"/>
               </p:blipFill>
               <p:spPr>
                 <a:xfrm>
@@ -18127,7 +17678,7 @@
         </mc:AlternateContent>
         <mc:AlternateContent xmlns:mc="http://schemas.openxmlformats.org/markup-compatibility/2006" xmlns:p14="http://schemas.microsoft.com/office/powerpoint/2010/main">
           <mc:Choice Requires="p14">
-            <p:contentPart r:id="rId8" p14:bwMode="auto">
+            <p:contentPart p14:bwMode="auto" r:id="rId10">
               <p14:nvContentPartPr>
                 <p14:cNvPr id="13" name="Ink 12"/>
                 <p14:cNvContentPartPr/>
@@ -18145,7 +17696,7 @@
                 <p:cNvPr id="13" name="Ink 12"/>
               </p:nvPicPr>
               <p:blipFill>
-                <a:blip r:embed="rId9"/>
+                <a:blip r:embed="rId11"/>
               </p:blipFill>
               <p:spPr>
                 <a:xfrm>
@@ -18159,7 +17710,7 @@
         </mc:AlternateContent>
         <mc:AlternateContent xmlns:mc="http://schemas.openxmlformats.org/markup-compatibility/2006" xmlns:p14="http://schemas.microsoft.com/office/powerpoint/2010/main">
           <mc:Choice Requires="p14">
-            <p:contentPart r:id="rId10" p14:bwMode="auto">
+            <p:contentPart p14:bwMode="auto" r:id="rId12">
               <p14:nvContentPartPr>
                 <p14:cNvPr id="15" name="Ink 14"/>
                 <p14:cNvContentPartPr/>
@@ -18177,7 +17728,7 @@
                 <p:cNvPr id="15" name="Ink 14"/>
               </p:nvPicPr>
               <p:blipFill>
-                <a:blip r:embed="rId11"/>
+                <a:blip r:embed="rId13"/>
               </p:blipFill>
               <p:spPr>
                 <a:xfrm>
@@ -18191,7 +17742,7 @@
         </mc:AlternateContent>
         <mc:AlternateContent xmlns:mc="http://schemas.openxmlformats.org/markup-compatibility/2006" xmlns:p14="http://schemas.microsoft.com/office/powerpoint/2010/main">
           <mc:Choice Requires="p14">
-            <p:contentPart r:id="rId12" p14:bwMode="auto">
+            <p:contentPart p14:bwMode="auto" r:id="rId14">
               <p14:nvContentPartPr>
                 <p14:cNvPr id="17" name="Ink 16"/>
                 <p14:cNvContentPartPr/>
@@ -18209,7 +17760,7 @@
                 <p:cNvPr id="17" name="Ink 16"/>
               </p:nvPicPr>
               <p:blipFill>
-                <a:blip r:embed="rId13"/>
+                <a:blip r:embed="rId15"/>
               </p:blipFill>
               <p:spPr>
                 <a:xfrm>
@@ -18261,7 +17812,7 @@
           <p:nvPr/>
         </p:nvPicPr>
         <p:blipFill>
-          <a:blip r:embed="rId1" cstate="print">
+          <a:blip r:embed="rId4" cstate="print">
             <a:extLst>
               <a:ext uri="{28A0092B-C50C-407E-A947-70E740481C1C}">
                 <a14:useLocalDpi xmlns:a14="http://schemas.microsoft.com/office/drawing/2010/main" val="0"/>
@@ -18291,7 +17842,7 @@
           <p:nvPr/>
         </p:nvPicPr>
         <p:blipFill rotWithShape="1">
-          <a:blip r:embed="rId2"/>
+          <a:blip r:embed="rId5"/>
           <a:srcRect l="24493"/>
           <a:stretch>
             <a:fillRect/>
@@ -18344,12 +17895,6 @@
               </a:rPr>
               <a:t>漏洞利用演示</a:t>
             </a:r>
-            <a:endParaRPr lang="zh-CN" altLang="en-US" sz="3200" b="1" dirty="0">
-              <a:solidFill>
-                <a:srgbClr val="595959"/>
-              </a:solidFill>
-              <a:latin typeface="微软雅黑" panose="020B0503020204020204" pitchFamily="34" charset="-122"/>
-            </a:endParaRPr>
           </a:p>
         </p:txBody>
       </p:sp>
@@ -18504,29 +18049,7 @@
                     </a:prstClr>
                   </a:solidFill>
                 </a:rPr>
-                <a:t>漏洞类似，都是通过修改申请时一个属性值，使得可以</a:t>
-              </a:r>
-              <a:r>
-                <a:rPr lang="zh-CN" altLang="en-US" sz="2000" dirty="0">
-                  <a:solidFill>
-                    <a:prstClr val="black">
-                      <a:lumMod val="65000"/>
-                      <a:lumOff val="35000"/>
-                    </a:prstClr>
-                  </a:solidFill>
-                </a:rPr>
-                <a:t>伪造成</a:t>
-              </a:r>
-              <a:r>
-                <a:rPr lang="zh-CN" altLang="en-US" sz="2000" dirty="0">
-                  <a:solidFill>
-                    <a:prstClr val="black">
-                      <a:lumMod val="65000"/>
-                      <a:lumOff val="35000"/>
-                    </a:prstClr>
-                  </a:solidFill>
-                </a:rPr>
-                <a:t>域控制的计算机，从而行使更高的权限的行动</a:t>
+                <a:t>漏洞类似，都是通过修改申请时一个属性值，使得可以伪造成域控制的计算机，从而行使更高的权限的行动</a:t>
               </a:r>
               <a:endParaRPr lang="en-US" altLang="zh-CN" sz="2000" dirty="0">
                 <a:solidFill>
@@ -18579,7 +18102,7 @@
           <p:nvPr/>
         </p:nvPicPr>
         <p:blipFill>
-          <a:blip r:embed="rId3">
+          <a:blip r:embed="rId6">
             <a:extLst>
               <a:ext uri="{28A0092B-C50C-407E-A947-70E740481C1C}">
                 <a14:useLocalDpi xmlns:a14="http://schemas.microsoft.com/office/drawing/2010/main" val="0"/>
@@ -18620,8 +18143,8 @@
 </file>
 
 <file path=ppt/tags/tag1.xml><?xml version="1.0" encoding="utf-8"?>
-<p:tagLst xmlns:p="http://schemas.openxmlformats.org/presentationml/2006/main">
-  <p:tag name="commondata" val="eyJoZGlkIjoiOTVkOTI3N2E4NzdjNTNkMWExM2M2YTg2YTVhNWM3ODYifQ=="/>
+<p:tagLst xmlns:a="http://schemas.openxmlformats.org/drawingml/2006/main" xmlns:r="http://schemas.openxmlformats.org/officeDocument/2006/relationships" xmlns:p="http://schemas.openxmlformats.org/presentationml/2006/main">
+  <p:tag name="COMMONDATA" val="eyJoZGlkIjoiOTVkOTI3N2E4NzdjNTNkMWExM2M2YTg2YTVhNWM3ODYifQ=="/>
 </p:tagLst>
 </file>
 
@@ -18903,6 +18426,8 @@
       </a:bgFillStyleLst>
     </a:fmtScheme>
   </a:themeElements>
+  <a:objectDefaults/>
+  <a:extraClrSchemeLst/>
   <a:extLst>
     <a:ext uri="{05A4C25C-085E-4340-85A3-A5531E510DB2}">
       <thm15:themeFamily xmlns:thm15="http://schemas.microsoft.com/office/thememl/2012/main" name="Office Theme" id="{62F939B6-93AF-4DB8-9C6B-D6C7DFDC589F}" vid="{4A3C46E8-61CC-4603-A589-7422A47A8E4A}"/>
@@ -19102,6 +18627,8 @@
       </a:bgFillStyleLst>
     </a:fmtScheme>
   </a:themeElements>
+  <a:objectDefaults/>
+  <a:extraClrSchemeLst/>
   <a:extLst>
     <a:ext uri="{05A4C25C-085E-4340-85A3-A5531E510DB2}">
       <thm15:themeFamily xmlns:thm15="http://schemas.microsoft.com/office/thememl/2012/main" name="Office Theme" id="{62F939B6-93AF-4DB8-9C6B-D6C7DFDC589F}" vid="{4A3C46E8-61CC-4603-A589-7422A47A8E4A}"/>
@@ -19390,6 +18917,8 @@
       </a:bgFillStyleLst>
     </a:fmtScheme>
   </a:themeElements>
+  <a:objectDefaults/>
+  <a:extraClrSchemeLst/>
   <a:extLst>
     <a:ext uri="{05A4C25C-085E-4340-85A3-A5531E510DB2}">
       <thm15:themeFamily xmlns:thm15="http://schemas.microsoft.com/office/thememl/2012/main" name="Office Theme" id="{62F939B6-93AF-4DB8-9C6B-D6C7DFDC589F}" vid="{4A3C46E8-61CC-4603-A589-7422A47A8E4A}"/>
@@ -19678,6 +19207,8 @@
       </a:bgFillStyleLst>
     </a:fmtScheme>
   </a:themeElements>
+  <a:objectDefaults/>
+  <a:extraClrSchemeLst/>
   <a:extLst>
     <a:ext uri="{05A4C25C-085E-4340-85A3-A5531E510DB2}">
       <thm15:themeFamily xmlns:thm15="http://schemas.microsoft.com/office/thememl/2012/main" name="Office Theme" id="{62F939B6-93AF-4DB8-9C6B-D6C7DFDC589F}" vid="{4A3C46E8-61CC-4603-A589-7422A47A8E4A}"/>
